--- a/Documentação - Roteiro/Apresentação.pptx
+++ b/Documentação - Roteiro/Apresentação.pptx
@@ -5,37 +5,36 @@
     <p:sldMasterId id="2147483657" r:id="rId1"/>
   </p:sldMasterIdLst>
   <p:notesMasterIdLst>
-    <p:notesMasterId r:id="rId12"/>
+    <p:notesMasterId r:id="rId11"/>
   </p:notesMasterIdLst>
   <p:sldIdLst>
     <p:sldId id="258" r:id="rId2"/>
     <p:sldId id="256" r:id="rId3"/>
-    <p:sldId id="259" r:id="rId4"/>
-    <p:sldId id="269" r:id="rId5"/>
+    <p:sldId id="269" r:id="rId4"/>
+    <p:sldId id="259" r:id="rId5"/>
     <p:sldId id="267" r:id="rId6"/>
-    <p:sldId id="265" r:id="rId7"/>
+    <p:sldId id="264" r:id="rId7"/>
     <p:sldId id="263" r:id="rId8"/>
-    <p:sldId id="264" r:id="rId9"/>
-    <p:sldId id="262" r:id="rId10"/>
-    <p:sldId id="300" r:id="rId11"/>
+    <p:sldId id="262" r:id="rId9"/>
+    <p:sldId id="300" r:id="rId10"/>
   </p:sldIdLst>
   <p:sldSz cx="9144000" cy="5143500" type="screen16x9"/>
   <p:notesSz cx="6858000" cy="9144000"/>
   <p:embeddedFontLst>
     <p:embeddedFont>
+      <p:font typeface="Raleway" panose="020B0604020202020204" charset="0"/>
+      <p:regular r:id="rId12"/>
+      <p:bold r:id="rId13"/>
+      <p:italic r:id="rId14"/>
+      <p:boldItalic r:id="rId15"/>
+    </p:embeddedFont>
+    <p:embeddedFont>
       <p:font typeface="Homemade Apple" panose="020B0604020202020204" charset="0"/>
-      <p:regular r:id="rId13"/>
+      <p:regular r:id="rId16"/>
     </p:embeddedFont>
     <p:embeddedFont>
       <p:font typeface="Lucida Handwriting" panose="03010101010101010101" pitchFamily="66" charset="0"/>
-      <p:regular r:id="rId14"/>
-    </p:embeddedFont>
-    <p:embeddedFont>
-      <p:font typeface="Raleway" pitchFamily="2" charset="0"/>
-      <p:regular r:id="rId15"/>
-      <p:bold r:id="rId16"/>
-      <p:italic r:id="rId17"/>
-      <p:boldItalic r:id="rId18"/>
+      <p:regular r:id="rId17"/>
     </p:embeddedFont>
   </p:embeddedFontLst>
   <p:defaultTextStyle>
@@ -848,115 +847,6 @@
 </p:notes>
 </file>
 
-<file path=ppt/notesSlides/notesSlide10.xml><?xml version="1.0" encoding="utf-8"?>
-<p:notes xmlns:a="http://schemas.openxmlformats.org/drawingml/2006/main" xmlns:r="http://schemas.openxmlformats.org/officeDocument/2006/relationships" xmlns:p="http://schemas.openxmlformats.org/presentationml/2006/main" showMasterSp="0" showMasterPhAnim="0">
-  <p:cSld>
-    <p:spTree>
-      <p:nvGrpSpPr>
-        <p:cNvPr id="1" name="Shape 58"/>
-        <p:cNvGrpSpPr/>
-        <p:nvPr/>
-      </p:nvGrpSpPr>
-      <p:grpSpPr>
-        <a:xfrm>
-          <a:off x="0" y="0"/>
-          <a:ext cx="0" cy="0"/>
-          <a:chOff x="0" y="0"/>
-          <a:chExt cx="0" cy="0"/>
-        </a:xfrm>
-      </p:grpSpPr>
-      <p:sp>
-        <p:nvSpPr>
-          <p:cNvPr id="59" name="Google Shape;59;g35f391192_04:notes"/>
-          <p:cNvSpPr>
-            <a:spLocks noGrp="1" noRot="1" noChangeAspect="1"/>
-          </p:cNvSpPr>
-          <p:nvPr>
-            <p:ph type="sldImg" idx="2"/>
-          </p:nvPr>
-        </p:nvSpPr>
-        <p:spPr>
-          <a:xfrm>
-            <a:off x="381000" y="685800"/>
-            <a:ext cx="6096000" cy="3429000"/>
-          </a:xfrm>
-          <a:custGeom>
-            <a:avLst/>
-            <a:gdLst/>
-            <a:ahLst/>
-            <a:cxnLst/>
-            <a:rect l="l" t="t" r="r" b="b"/>
-            <a:pathLst>
-              <a:path w="120000" h="120000" extrusionOk="0">
-                <a:moveTo>
-                  <a:pt x="0" y="0"/>
-                </a:moveTo>
-                <a:lnTo>
-                  <a:pt x="120000" y="0"/>
-                </a:lnTo>
-                <a:lnTo>
-                  <a:pt x="120000" y="120000"/>
-                </a:lnTo>
-                <a:lnTo>
-                  <a:pt x="0" y="120000"/>
-                </a:lnTo>
-                <a:close/>
-              </a:path>
-            </a:pathLst>
-          </a:custGeom>
-        </p:spPr>
-      </p:sp>
-      <p:sp>
-        <p:nvSpPr>
-          <p:cNvPr id="60" name="Google Shape;60;g35f391192_04:notes"/>
-          <p:cNvSpPr txBox="1">
-            <a:spLocks noGrp="1"/>
-          </p:cNvSpPr>
-          <p:nvPr>
-            <p:ph type="body" idx="1"/>
-          </p:nvPr>
-        </p:nvSpPr>
-        <p:spPr>
-          <a:xfrm>
-            <a:off x="685800" y="4343400"/>
-            <a:ext cx="5486400" cy="4114800"/>
-          </a:xfrm>
-          <a:prstGeom prst="rect">
-            <a:avLst/>
-          </a:prstGeom>
-        </p:spPr>
-        <p:txBody>
-          <a:bodyPr spcFirstLastPara="1" wrap="square" lIns="91425" tIns="91425" rIns="91425" bIns="91425" anchor="t" anchorCtr="0">
-            <a:noAutofit/>
-          </a:bodyPr>
-          <a:lstStyle/>
-          <a:p>
-            <a:pPr marL="0" lvl="0" indent="0" algn="l" rtl="0">
-              <a:spcBef>
-                <a:spcPts val="0"/>
-              </a:spcBef>
-              <a:spcAft>
-                <a:spcPts val="0"/>
-              </a:spcAft>
-              <a:buNone/>
-            </a:pPr>
-            <a:endParaRPr/>
-          </a:p>
-        </p:txBody>
-      </p:sp>
-    </p:spTree>
-    <p:extLst>
-      <p:ext uri="{BB962C8B-B14F-4D97-AF65-F5344CB8AC3E}">
-        <p14:creationId xmlns:p14="http://schemas.microsoft.com/office/powerpoint/2010/main" val="1822321949"/>
-      </p:ext>
-    </p:extLst>
-  </p:cSld>
-  <p:clrMapOvr>
-    <a:masterClrMapping/>
-  </p:clrMapOvr>
-</p:notes>
-</file>
-
 <file path=ppt/notesSlides/notesSlide2.xml><?xml version="1.0" encoding="utf-8"?>
 <p:notes xmlns:a="http://schemas.openxmlformats.org/drawingml/2006/main" xmlns:r="http://schemas.openxmlformats.org/officeDocument/2006/relationships" xmlns:p="http://schemas.openxmlformats.org/presentationml/2006/main" showMasterSp="0" showMasterPhAnim="0">
   <p:cSld>
@@ -1066,6 +956,115 @@
   <p:cSld>
     <p:spTree>
       <p:nvGrpSpPr>
+        <p:cNvPr id="1" name="Shape 126"/>
+        <p:cNvGrpSpPr/>
+        <p:nvPr/>
+      </p:nvGrpSpPr>
+      <p:grpSpPr>
+        <a:xfrm>
+          <a:off x="0" y="0"/>
+          <a:ext cx="0" cy="0"/>
+          <a:chOff x="0" y="0"/>
+          <a:chExt cx="0" cy="0"/>
+        </a:xfrm>
+      </p:grpSpPr>
+      <p:sp>
+        <p:nvSpPr>
+          <p:cNvPr id="127" name="Google Shape;127;g35f391192_073:notes"/>
+          <p:cNvSpPr>
+            <a:spLocks noGrp="1" noRot="1" noChangeAspect="1"/>
+          </p:cNvSpPr>
+          <p:nvPr>
+            <p:ph type="sldImg" idx="2"/>
+          </p:nvPr>
+        </p:nvSpPr>
+        <p:spPr>
+          <a:xfrm>
+            <a:off x="381000" y="685800"/>
+            <a:ext cx="6096000" cy="3429000"/>
+          </a:xfrm>
+          <a:custGeom>
+            <a:avLst/>
+            <a:gdLst/>
+            <a:ahLst/>
+            <a:cxnLst/>
+            <a:rect l="l" t="t" r="r" b="b"/>
+            <a:pathLst>
+              <a:path w="120000" h="120000" extrusionOk="0">
+                <a:moveTo>
+                  <a:pt x="0" y="0"/>
+                </a:moveTo>
+                <a:lnTo>
+                  <a:pt x="120000" y="0"/>
+                </a:lnTo>
+                <a:lnTo>
+                  <a:pt x="120000" y="120000"/>
+                </a:lnTo>
+                <a:lnTo>
+                  <a:pt x="0" y="120000"/>
+                </a:lnTo>
+                <a:close/>
+              </a:path>
+            </a:pathLst>
+          </a:custGeom>
+        </p:spPr>
+      </p:sp>
+      <p:sp>
+        <p:nvSpPr>
+          <p:cNvPr id="128" name="Google Shape;128;g35f391192_073:notes"/>
+          <p:cNvSpPr txBox="1">
+            <a:spLocks noGrp="1"/>
+          </p:cNvSpPr>
+          <p:nvPr>
+            <p:ph type="body" idx="1"/>
+          </p:nvPr>
+        </p:nvSpPr>
+        <p:spPr>
+          <a:xfrm>
+            <a:off x="685800" y="4343400"/>
+            <a:ext cx="5486400" cy="4114800"/>
+          </a:xfrm>
+          <a:prstGeom prst="rect">
+            <a:avLst/>
+          </a:prstGeom>
+        </p:spPr>
+        <p:txBody>
+          <a:bodyPr spcFirstLastPara="1" wrap="square" lIns="91425" tIns="91425" rIns="91425" bIns="91425" anchor="t" anchorCtr="0">
+            <a:noAutofit/>
+          </a:bodyPr>
+          <a:lstStyle/>
+          <a:p>
+            <a:pPr marL="0" lvl="0" indent="0" algn="l" rtl="0">
+              <a:spcBef>
+                <a:spcPts val="0"/>
+              </a:spcBef>
+              <a:spcAft>
+                <a:spcPts val="0"/>
+              </a:spcAft>
+              <a:buNone/>
+            </a:pPr>
+            <a:endParaRPr/>
+          </a:p>
+        </p:txBody>
+      </p:sp>
+    </p:spTree>
+    <p:extLst>
+      <p:ext uri="{BB962C8B-B14F-4D97-AF65-F5344CB8AC3E}">
+        <p14:creationId xmlns:p14="http://schemas.microsoft.com/office/powerpoint/2010/main" val="298631279"/>
+      </p:ext>
+    </p:extLst>
+  </p:cSld>
+  <p:clrMapOvr>
+    <a:masterClrMapping/>
+  </p:clrMapOvr>
+</p:notes>
+</file>
+
+<file path=ppt/notesSlides/notesSlide4.xml><?xml version="1.0" encoding="utf-8"?>
+<p:notes xmlns:a="http://schemas.openxmlformats.org/drawingml/2006/main" xmlns:r="http://schemas.openxmlformats.org/officeDocument/2006/relationships" xmlns:p="http://schemas.openxmlformats.org/presentationml/2006/main" showMasterSp="0" showMasterPhAnim="0">
+  <p:cSld>
+    <p:spTree>
+      <p:nvGrpSpPr>
         <p:cNvPr id="1" name="Shape 66"/>
         <p:cNvGrpSpPr/>
         <p:nvPr/>
@@ -1153,120 +1152,11 @@
               </a:spcAft>
               <a:buNone/>
             </a:pPr>
-            <a:endParaRPr/>
+            <a:endParaRPr dirty="0"/>
           </a:p>
         </p:txBody>
       </p:sp>
     </p:spTree>
-  </p:cSld>
-  <p:clrMapOvr>
-    <a:masterClrMapping/>
-  </p:clrMapOvr>
-</p:notes>
-</file>
-
-<file path=ppt/notesSlides/notesSlide4.xml><?xml version="1.0" encoding="utf-8"?>
-<p:notes xmlns:a="http://schemas.openxmlformats.org/drawingml/2006/main" xmlns:r="http://schemas.openxmlformats.org/officeDocument/2006/relationships" xmlns:p="http://schemas.openxmlformats.org/presentationml/2006/main" showMasterSp="0" showMasterPhAnim="0">
-  <p:cSld>
-    <p:spTree>
-      <p:nvGrpSpPr>
-        <p:cNvPr id="1" name="Shape 126"/>
-        <p:cNvGrpSpPr/>
-        <p:nvPr/>
-      </p:nvGrpSpPr>
-      <p:grpSpPr>
-        <a:xfrm>
-          <a:off x="0" y="0"/>
-          <a:ext cx="0" cy="0"/>
-          <a:chOff x="0" y="0"/>
-          <a:chExt cx="0" cy="0"/>
-        </a:xfrm>
-      </p:grpSpPr>
-      <p:sp>
-        <p:nvSpPr>
-          <p:cNvPr id="127" name="Google Shape;127;g35f391192_073:notes"/>
-          <p:cNvSpPr>
-            <a:spLocks noGrp="1" noRot="1" noChangeAspect="1"/>
-          </p:cNvSpPr>
-          <p:nvPr>
-            <p:ph type="sldImg" idx="2"/>
-          </p:nvPr>
-        </p:nvSpPr>
-        <p:spPr>
-          <a:xfrm>
-            <a:off x="381000" y="685800"/>
-            <a:ext cx="6096000" cy="3429000"/>
-          </a:xfrm>
-          <a:custGeom>
-            <a:avLst/>
-            <a:gdLst/>
-            <a:ahLst/>
-            <a:cxnLst/>
-            <a:rect l="l" t="t" r="r" b="b"/>
-            <a:pathLst>
-              <a:path w="120000" h="120000" extrusionOk="0">
-                <a:moveTo>
-                  <a:pt x="0" y="0"/>
-                </a:moveTo>
-                <a:lnTo>
-                  <a:pt x="120000" y="0"/>
-                </a:lnTo>
-                <a:lnTo>
-                  <a:pt x="120000" y="120000"/>
-                </a:lnTo>
-                <a:lnTo>
-                  <a:pt x="0" y="120000"/>
-                </a:lnTo>
-                <a:close/>
-              </a:path>
-            </a:pathLst>
-          </a:custGeom>
-        </p:spPr>
-      </p:sp>
-      <p:sp>
-        <p:nvSpPr>
-          <p:cNvPr id="128" name="Google Shape;128;g35f391192_073:notes"/>
-          <p:cNvSpPr txBox="1">
-            <a:spLocks noGrp="1"/>
-          </p:cNvSpPr>
-          <p:nvPr>
-            <p:ph type="body" idx="1"/>
-          </p:nvPr>
-        </p:nvSpPr>
-        <p:spPr>
-          <a:xfrm>
-            <a:off x="685800" y="4343400"/>
-            <a:ext cx="5486400" cy="4114800"/>
-          </a:xfrm>
-          <a:prstGeom prst="rect">
-            <a:avLst/>
-          </a:prstGeom>
-        </p:spPr>
-        <p:txBody>
-          <a:bodyPr spcFirstLastPara="1" wrap="square" lIns="91425" tIns="91425" rIns="91425" bIns="91425" anchor="t" anchorCtr="0">
-            <a:noAutofit/>
-          </a:bodyPr>
-          <a:lstStyle/>
-          <a:p>
-            <a:pPr marL="0" lvl="0" indent="0" algn="l" rtl="0">
-              <a:spcBef>
-                <a:spcPts val="0"/>
-              </a:spcBef>
-              <a:spcAft>
-                <a:spcPts val="0"/>
-              </a:spcAft>
-              <a:buNone/>
-            </a:pPr>
-            <a:endParaRPr/>
-          </a:p>
-        </p:txBody>
-      </p:sp>
-    </p:spTree>
-    <p:extLst>
-      <p:ext uri="{BB962C8B-B14F-4D97-AF65-F5344CB8AC3E}">
-        <p14:creationId xmlns:p14="http://schemas.microsoft.com/office/powerpoint/2010/main" val="298631279"/>
-      </p:ext>
-    </p:extLst>
   </p:cSld>
   <p:clrMapOvr>
     <a:masterClrMapping/>
@@ -1383,7 +1273,7 @@
   <p:cSld>
     <p:spTree>
       <p:nvGrpSpPr>
-        <p:cNvPr id="1" name="Shape 112"/>
+        <p:cNvPr id="1" name="Shape 103"/>
         <p:cNvGrpSpPr/>
         <p:nvPr/>
       </p:nvGrpSpPr>
@@ -1397,7 +1287,7 @@
       </p:grpSpPr>
       <p:sp>
         <p:nvSpPr>
-          <p:cNvPr id="113" name="Google Shape;113;g35f391192_057:notes"/>
+          <p:cNvPr id="104" name="Google Shape;104;g35f391192_045:notes"/>
           <p:cNvSpPr>
             <a:spLocks noGrp="1" noRot="1" noChangeAspect="1"/>
           </p:cNvSpPr>
@@ -1438,7 +1328,7 @@
       </p:sp>
       <p:sp>
         <p:nvSpPr>
-          <p:cNvPr id="114" name="Google Shape;114;g35f391192_057:notes"/>
+          <p:cNvPr id="105" name="Google Shape;105;g35f391192_045:notes"/>
           <p:cNvSpPr txBox="1">
             <a:spLocks noGrp="1"/>
           </p:cNvSpPr>
@@ -1591,110 +1481,6 @@
   <p:cSld>
     <p:spTree>
       <p:nvGrpSpPr>
-        <p:cNvPr id="1" name="Shape 103"/>
-        <p:cNvGrpSpPr/>
-        <p:nvPr/>
-      </p:nvGrpSpPr>
-      <p:grpSpPr>
-        <a:xfrm>
-          <a:off x="0" y="0"/>
-          <a:ext cx="0" cy="0"/>
-          <a:chOff x="0" y="0"/>
-          <a:chExt cx="0" cy="0"/>
-        </a:xfrm>
-      </p:grpSpPr>
-      <p:sp>
-        <p:nvSpPr>
-          <p:cNvPr id="104" name="Google Shape;104;g35f391192_045:notes"/>
-          <p:cNvSpPr>
-            <a:spLocks noGrp="1" noRot="1" noChangeAspect="1"/>
-          </p:cNvSpPr>
-          <p:nvPr>
-            <p:ph type="sldImg" idx="2"/>
-          </p:nvPr>
-        </p:nvSpPr>
-        <p:spPr>
-          <a:xfrm>
-            <a:off x="381000" y="685800"/>
-            <a:ext cx="6096000" cy="3429000"/>
-          </a:xfrm>
-          <a:custGeom>
-            <a:avLst/>
-            <a:gdLst/>
-            <a:ahLst/>
-            <a:cxnLst/>
-            <a:rect l="l" t="t" r="r" b="b"/>
-            <a:pathLst>
-              <a:path w="120000" h="120000" extrusionOk="0">
-                <a:moveTo>
-                  <a:pt x="0" y="0"/>
-                </a:moveTo>
-                <a:lnTo>
-                  <a:pt x="120000" y="0"/>
-                </a:lnTo>
-                <a:lnTo>
-                  <a:pt x="120000" y="120000"/>
-                </a:lnTo>
-                <a:lnTo>
-                  <a:pt x="0" y="120000"/>
-                </a:lnTo>
-                <a:close/>
-              </a:path>
-            </a:pathLst>
-          </a:custGeom>
-        </p:spPr>
-      </p:sp>
-      <p:sp>
-        <p:nvSpPr>
-          <p:cNvPr id="105" name="Google Shape;105;g35f391192_045:notes"/>
-          <p:cNvSpPr txBox="1">
-            <a:spLocks noGrp="1"/>
-          </p:cNvSpPr>
-          <p:nvPr>
-            <p:ph type="body" idx="1"/>
-          </p:nvPr>
-        </p:nvSpPr>
-        <p:spPr>
-          <a:xfrm>
-            <a:off x="685800" y="4343400"/>
-            <a:ext cx="5486400" cy="4114800"/>
-          </a:xfrm>
-          <a:prstGeom prst="rect">
-            <a:avLst/>
-          </a:prstGeom>
-        </p:spPr>
-        <p:txBody>
-          <a:bodyPr spcFirstLastPara="1" wrap="square" lIns="91425" tIns="91425" rIns="91425" bIns="91425" anchor="t" anchorCtr="0">
-            <a:noAutofit/>
-          </a:bodyPr>
-          <a:lstStyle/>
-          <a:p>
-            <a:pPr marL="0" lvl="0" indent="0" algn="l" rtl="0">
-              <a:spcBef>
-                <a:spcPts val="0"/>
-              </a:spcBef>
-              <a:spcAft>
-                <a:spcPts val="0"/>
-              </a:spcAft>
-              <a:buNone/>
-            </a:pPr>
-            <a:endParaRPr/>
-          </a:p>
-        </p:txBody>
-      </p:sp>
-    </p:spTree>
-  </p:cSld>
-  <p:clrMapOvr>
-    <a:masterClrMapping/>
-  </p:clrMapOvr>
-</p:notes>
-</file>
-
-<file path=ppt/notesSlides/notesSlide9.xml><?xml version="1.0" encoding="utf-8"?>
-<p:notes xmlns:a="http://schemas.openxmlformats.org/drawingml/2006/main" xmlns:r="http://schemas.openxmlformats.org/officeDocument/2006/relationships" xmlns:p="http://schemas.openxmlformats.org/presentationml/2006/main" showMasterSp="0" showMasterPhAnim="0">
-  <p:cSld>
-    <p:spTree>
-      <p:nvGrpSpPr>
         <p:cNvPr id="1" name="Shape 86"/>
         <p:cNvGrpSpPr/>
         <p:nvPr/>
@@ -1794,6 +1580,115 @@
 </p:notes>
 </file>
 
+<file path=ppt/notesSlides/notesSlide9.xml><?xml version="1.0" encoding="utf-8"?>
+<p:notes xmlns:a="http://schemas.openxmlformats.org/drawingml/2006/main" xmlns:r="http://schemas.openxmlformats.org/officeDocument/2006/relationships" xmlns:p="http://schemas.openxmlformats.org/presentationml/2006/main" showMasterSp="0" showMasterPhAnim="0">
+  <p:cSld>
+    <p:spTree>
+      <p:nvGrpSpPr>
+        <p:cNvPr id="1" name="Shape 58"/>
+        <p:cNvGrpSpPr/>
+        <p:nvPr/>
+      </p:nvGrpSpPr>
+      <p:grpSpPr>
+        <a:xfrm>
+          <a:off x="0" y="0"/>
+          <a:ext cx="0" cy="0"/>
+          <a:chOff x="0" y="0"/>
+          <a:chExt cx="0" cy="0"/>
+        </a:xfrm>
+      </p:grpSpPr>
+      <p:sp>
+        <p:nvSpPr>
+          <p:cNvPr id="59" name="Google Shape;59;g35f391192_04:notes"/>
+          <p:cNvSpPr>
+            <a:spLocks noGrp="1" noRot="1" noChangeAspect="1"/>
+          </p:cNvSpPr>
+          <p:nvPr>
+            <p:ph type="sldImg" idx="2"/>
+          </p:nvPr>
+        </p:nvSpPr>
+        <p:spPr>
+          <a:xfrm>
+            <a:off x="381000" y="685800"/>
+            <a:ext cx="6096000" cy="3429000"/>
+          </a:xfrm>
+          <a:custGeom>
+            <a:avLst/>
+            <a:gdLst/>
+            <a:ahLst/>
+            <a:cxnLst/>
+            <a:rect l="l" t="t" r="r" b="b"/>
+            <a:pathLst>
+              <a:path w="120000" h="120000" extrusionOk="0">
+                <a:moveTo>
+                  <a:pt x="0" y="0"/>
+                </a:moveTo>
+                <a:lnTo>
+                  <a:pt x="120000" y="0"/>
+                </a:lnTo>
+                <a:lnTo>
+                  <a:pt x="120000" y="120000"/>
+                </a:lnTo>
+                <a:lnTo>
+                  <a:pt x="0" y="120000"/>
+                </a:lnTo>
+                <a:close/>
+              </a:path>
+            </a:pathLst>
+          </a:custGeom>
+        </p:spPr>
+      </p:sp>
+      <p:sp>
+        <p:nvSpPr>
+          <p:cNvPr id="60" name="Google Shape;60;g35f391192_04:notes"/>
+          <p:cNvSpPr txBox="1">
+            <a:spLocks noGrp="1"/>
+          </p:cNvSpPr>
+          <p:nvPr>
+            <p:ph type="body" idx="1"/>
+          </p:nvPr>
+        </p:nvSpPr>
+        <p:spPr>
+          <a:xfrm>
+            <a:off x="685800" y="4343400"/>
+            <a:ext cx="5486400" cy="4114800"/>
+          </a:xfrm>
+          <a:prstGeom prst="rect">
+            <a:avLst/>
+          </a:prstGeom>
+        </p:spPr>
+        <p:txBody>
+          <a:bodyPr spcFirstLastPara="1" wrap="square" lIns="91425" tIns="91425" rIns="91425" bIns="91425" anchor="t" anchorCtr="0">
+            <a:noAutofit/>
+          </a:bodyPr>
+          <a:lstStyle/>
+          <a:p>
+            <a:pPr marL="0" lvl="0" indent="0" algn="l" rtl="0">
+              <a:spcBef>
+                <a:spcPts val="0"/>
+              </a:spcBef>
+              <a:spcAft>
+                <a:spcPts val="0"/>
+              </a:spcAft>
+              <a:buNone/>
+            </a:pPr>
+            <a:endParaRPr/>
+          </a:p>
+        </p:txBody>
+      </p:sp>
+    </p:spTree>
+    <p:extLst>
+      <p:ext uri="{BB962C8B-B14F-4D97-AF65-F5344CB8AC3E}">
+        <p14:creationId xmlns:p14="http://schemas.microsoft.com/office/powerpoint/2010/main" val="1822321949"/>
+      </p:ext>
+    </p:extLst>
+  </p:cSld>
+  <p:clrMapOvr>
+    <a:masterClrMapping/>
+  </p:clrMapOvr>
+</p:notes>
+</file>
+
 <file path=ppt/slideLayouts/slideLayout1.xml><?xml version="1.0" encoding="utf-8"?>
 <p:sldLayout xmlns:a="http://schemas.openxmlformats.org/drawingml/2006/main" xmlns:r="http://schemas.openxmlformats.org/officeDocument/2006/relationships" xmlns:p="http://schemas.openxmlformats.org/presentationml/2006/main" matchingName="Title" type="title">
   <p:cSld name="TITLE">
@@ -2451,381 +2346,6 @@
 </file>
 
 <file path=ppt/slideLayouts/slideLayout3.xml><?xml version="1.0" encoding="utf-8"?>
-<p:sldLayout xmlns:a="http://schemas.openxmlformats.org/drawingml/2006/main" xmlns:r="http://schemas.openxmlformats.org/officeDocument/2006/relationships" xmlns:p="http://schemas.openxmlformats.org/presentationml/2006/main" matchingName="Title + 1 column" type="tx">
-  <p:cSld name="TITLE_AND_BODY">
-    <p:bg>
-      <p:bgPr>
-        <a:blipFill>
-          <a:blip r:embed="rId2">
-            <a:alphaModFix/>
-          </a:blip>
-          <a:stretch>
-            <a:fillRect/>
-          </a:stretch>
-        </a:blipFill>
-        <a:effectLst/>
-      </p:bgPr>
-    </p:bg>
-    <p:spTree>
-      <p:nvGrpSpPr>
-        <p:cNvPr id="1" name="Shape 21"/>
-        <p:cNvGrpSpPr/>
-        <p:nvPr/>
-      </p:nvGrpSpPr>
-      <p:grpSpPr>
-        <a:xfrm>
-          <a:off x="0" y="0"/>
-          <a:ext cx="0" cy="0"/>
-          <a:chOff x="0" y="0"/>
-          <a:chExt cx="0" cy="0"/>
-        </a:xfrm>
-      </p:grpSpPr>
-      <p:sp>
-        <p:nvSpPr>
-          <p:cNvPr id="22" name="Google Shape;22;p5"/>
-          <p:cNvSpPr txBox="1">
-            <a:spLocks noGrp="1"/>
-          </p:cNvSpPr>
-          <p:nvPr>
-            <p:ph type="title"/>
-          </p:nvPr>
-        </p:nvSpPr>
-        <p:spPr>
-          <a:xfrm>
-            <a:off x="782850" y="205988"/>
-            <a:ext cx="7578300" cy="1158600"/>
-          </a:xfrm>
-          <a:prstGeom prst="rect">
-            <a:avLst/>
-          </a:prstGeom>
-        </p:spPr>
-        <p:txBody>
-          <a:bodyPr spcFirstLastPara="1" wrap="square" lIns="91425" tIns="91425" rIns="91425" bIns="91425" anchor="ctr" anchorCtr="0">
-            <a:noAutofit/>
-          </a:bodyPr>
-          <a:lstStyle>
-            <a:lvl1pPr lvl="0">
-              <a:spcBef>
-                <a:spcPts val="0"/>
-              </a:spcBef>
-              <a:spcAft>
-                <a:spcPts val="0"/>
-              </a:spcAft>
-              <a:buSzPts val="1400"/>
-              <a:buNone/>
-              <a:defRPr/>
-            </a:lvl1pPr>
-            <a:lvl2pPr lvl="1">
-              <a:spcBef>
-                <a:spcPts val="0"/>
-              </a:spcBef>
-              <a:spcAft>
-                <a:spcPts val="0"/>
-              </a:spcAft>
-              <a:buSzPts val="1400"/>
-              <a:buNone/>
-              <a:defRPr/>
-            </a:lvl2pPr>
-            <a:lvl3pPr lvl="2">
-              <a:spcBef>
-                <a:spcPts val="0"/>
-              </a:spcBef>
-              <a:spcAft>
-                <a:spcPts val="0"/>
-              </a:spcAft>
-              <a:buSzPts val="1400"/>
-              <a:buNone/>
-              <a:defRPr/>
-            </a:lvl3pPr>
-            <a:lvl4pPr lvl="3">
-              <a:spcBef>
-                <a:spcPts val="0"/>
-              </a:spcBef>
-              <a:spcAft>
-                <a:spcPts val="0"/>
-              </a:spcAft>
-              <a:buSzPts val="1400"/>
-              <a:buNone/>
-              <a:defRPr/>
-            </a:lvl4pPr>
-            <a:lvl5pPr lvl="4">
-              <a:spcBef>
-                <a:spcPts val="0"/>
-              </a:spcBef>
-              <a:spcAft>
-                <a:spcPts val="0"/>
-              </a:spcAft>
-              <a:buSzPts val="1400"/>
-              <a:buNone/>
-              <a:defRPr/>
-            </a:lvl5pPr>
-            <a:lvl6pPr lvl="5">
-              <a:spcBef>
-                <a:spcPts val="0"/>
-              </a:spcBef>
-              <a:spcAft>
-                <a:spcPts val="0"/>
-              </a:spcAft>
-              <a:buSzPts val="1400"/>
-              <a:buNone/>
-              <a:defRPr/>
-            </a:lvl6pPr>
-            <a:lvl7pPr lvl="6">
-              <a:spcBef>
-                <a:spcPts val="0"/>
-              </a:spcBef>
-              <a:spcAft>
-                <a:spcPts val="0"/>
-              </a:spcAft>
-              <a:buSzPts val="1400"/>
-              <a:buNone/>
-              <a:defRPr/>
-            </a:lvl7pPr>
-            <a:lvl8pPr lvl="7">
-              <a:spcBef>
-                <a:spcPts val="0"/>
-              </a:spcBef>
-              <a:spcAft>
-                <a:spcPts val="0"/>
-              </a:spcAft>
-              <a:buSzPts val="1400"/>
-              <a:buNone/>
-              <a:defRPr/>
-            </a:lvl8pPr>
-            <a:lvl9pPr lvl="8">
-              <a:spcBef>
-                <a:spcPts val="0"/>
-              </a:spcBef>
-              <a:spcAft>
-                <a:spcPts val="0"/>
-              </a:spcAft>
-              <a:buSzPts val="1400"/>
-              <a:buNone/>
-              <a:defRPr/>
-            </a:lvl9pPr>
-          </a:lstStyle>
-          <a:p>
-            <a:endParaRPr/>
-          </a:p>
-        </p:txBody>
-      </p:sp>
-      <p:sp>
-        <p:nvSpPr>
-          <p:cNvPr id="23" name="Google Shape;23;p5"/>
-          <p:cNvSpPr txBox="1">
-            <a:spLocks noGrp="1"/>
-          </p:cNvSpPr>
-          <p:nvPr>
-            <p:ph type="body" idx="1"/>
-          </p:nvPr>
-        </p:nvSpPr>
-        <p:spPr>
-          <a:xfrm>
-            <a:off x="1146000" y="1364719"/>
-            <a:ext cx="6852000" cy="3239700"/>
-          </a:xfrm>
-          <a:prstGeom prst="rect">
-            <a:avLst/>
-          </a:prstGeom>
-        </p:spPr>
-        <p:txBody>
-          <a:bodyPr spcFirstLastPara="1" wrap="square" lIns="91425" tIns="91425" rIns="91425" bIns="91425" anchor="t" anchorCtr="0">
-            <a:noAutofit/>
-          </a:bodyPr>
-          <a:lstStyle>
-            <a:lvl1pPr marL="457200" lvl="0" indent="-381000">
-              <a:spcBef>
-                <a:spcPts val="600"/>
-              </a:spcBef>
-              <a:spcAft>
-                <a:spcPts val="0"/>
-              </a:spcAft>
-              <a:buSzPts val="2400"/>
-              <a:buChar char="✘"/>
-              <a:defRPr/>
-            </a:lvl1pPr>
-            <a:lvl2pPr marL="914400" lvl="1" indent="-381000">
-              <a:spcBef>
-                <a:spcPts val="0"/>
-              </a:spcBef>
-              <a:spcAft>
-                <a:spcPts val="0"/>
-              </a:spcAft>
-              <a:buSzPts val="2400"/>
-              <a:buChar char="○"/>
-              <a:defRPr/>
-            </a:lvl2pPr>
-            <a:lvl3pPr marL="1371600" lvl="2" indent="-381000">
-              <a:spcBef>
-                <a:spcPts val="0"/>
-              </a:spcBef>
-              <a:spcAft>
-                <a:spcPts val="0"/>
-              </a:spcAft>
-              <a:buSzPts val="2400"/>
-              <a:buChar char="■"/>
-              <a:defRPr/>
-            </a:lvl3pPr>
-            <a:lvl4pPr marL="1828800" lvl="3" indent="-381000">
-              <a:spcBef>
-                <a:spcPts val="0"/>
-              </a:spcBef>
-              <a:spcAft>
-                <a:spcPts val="0"/>
-              </a:spcAft>
-              <a:buSzPts val="2400"/>
-              <a:buChar char="●"/>
-              <a:defRPr/>
-            </a:lvl4pPr>
-            <a:lvl5pPr marL="2286000" lvl="4" indent="-381000">
-              <a:spcBef>
-                <a:spcPts val="0"/>
-              </a:spcBef>
-              <a:spcAft>
-                <a:spcPts val="0"/>
-              </a:spcAft>
-              <a:buSzPts val="2400"/>
-              <a:buChar char="○"/>
-              <a:defRPr/>
-            </a:lvl5pPr>
-            <a:lvl6pPr marL="2743200" lvl="5" indent="-381000">
-              <a:spcBef>
-                <a:spcPts val="0"/>
-              </a:spcBef>
-              <a:spcAft>
-                <a:spcPts val="0"/>
-              </a:spcAft>
-              <a:buSzPts val="2400"/>
-              <a:buChar char="■"/>
-              <a:defRPr/>
-            </a:lvl6pPr>
-            <a:lvl7pPr marL="3200400" lvl="6" indent="-381000">
-              <a:spcBef>
-                <a:spcPts val="0"/>
-              </a:spcBef>
-              <a:spcAft>
-                <a:spcPts val="0"/>
-              </a:spcAft>
-              <a:buSzPts val="2400"/>
-              <a:buChar char="●"/>
-              <a:defRPr/>
-            </a:lvl7pPr>
-            <a:lvl8pPr marL="3657600" lvl="7" indent="-381000">
-              <a:spcBef>
-                <a:spcPts val="0"/>
-              </a:spcBef>
-              <a:spcAft>
-                <a:spcPts val="0"/>
-              </a:spcAft>
-              <a:buSzPts val="2400"/>
-              <a:buChar char="○"/>
-              <a:defRPr/>
-            </a:lvl8pPr>
-            <a:lvl9pPr marL="4114800" lvl="8" indent="-381000">
-              <a:spcBef>
-                <a:spcPts val="0"/>
-              </a:spcBef>
-              <a:spcAft>
-                <a:spcPts val="0"/>
-              </a:spcAft>
-              <a:buSzPts val="2400"/>
-              <a:buChar char="■"/>
-              <a:defRPr/>
-            </a:lvl9pPr>
-          </a:lstStyle>
-          <a:p>
-            <a:endParaRPr/>
-          </a:p>
-        </p:txBody>
-      </p:sp>
-      <p:sp>
-        <p:nvSpPr>
-          <p:cNvPr id="24" name="Google Shape;24;p5"/>
-          <p:cNvSpPr txBox="1">
-            <a:spLocks noGrp="1"/>
-          </p:cNvSpPr>
-          <p:nvPr>
-            <p:ph type="sldNum" idx="12"/>
-          </p:nvPr>
-        </p:nvSpPr>
-        <p:spPr>
-          <a:xfrm>
-            <a:off x="-125" y="4903155"/>
-            <a:ext cx="9144000" cy="214500"/>
-          </a:xfrm>
-          <a:prstGeom prst="rect">
-            <a:avLst/>
-          </a:prstGeom>
-        </p:spPr>
-        <p:txBody>
-          <a:bodyPr spcFirstLastPara="1" wrap="square" lIns="91425" tIns="91425" rIns="91425" bIns="91425" anchor="t" anchorCtr="0">
-            <a:noAutofit/>
-          </a:bodyPr>
-          <a:lstStyle>
-            <a:lvl1pPr lvl="0">
-              <a:buNone/>
-              <a:defRPr/>
-            </a:lvl1pPr>
-            <a:lvl2pPr lvl="1">
-              <a:buNone/>
-              <a:defRPr/>
-            </a:lvl2pPr>
-            <a:lvl3pPr lvl="2">
-              <a:buNone/>
-              <a:defRPr/>
-            </a:lvl3pPr>
-            <a:lvl4pPr lvl="3">
-              <a:buNone/>
-              <a:defRPr/>
-            </a:lvl4pPr>
-            <a:lvl5pPr lvl="4">
-              <a:buNone/>
-              <a:defRPr/>
-            </a:lvl5pPr>
-            <a:lvl6pPr lvl="5">
-              <a:buNone/>
-              <a:defRPr/>
-            </a:lvl6pPr>
-            <a:lvl7pPr lvl="6">
-              <a:buNone/>
-              <a:defRPr/>
-            </a:lvl7pPr>
-            <a:lvl8pPr lvl="7">
-              <a:buNone/>
-              <a:defRPr/>
-            </a:lvl8pPr>
-            <a:lvl9pPr lvl="8">
-              <a:buNone/>
-              <a:defRPr/>
-            </a:lvl9pPr>
-          </a:lstStyle>
-          <a:p>
-            <a:pPr marL="0" lvl="0" indent="0" algn="ctr" rtl="0">
-              <a:spcBef>
-                <a:spcPts val="0"/>
-              </a:spcBef>
-              <a:spcAft>
-                <a:spcPts val="0"/>
-              </a:spcAft>
-              <a:buNone/>
-            </a:pPr>
-            <a:fld id="{00000000-1234-1234-1234-123412341234}" type="slidenum">
-              <a:rPr lang="en"/>
-              <a:t>‹nº›</a:t>
-            </a:fld>
-            <a:endParaRPr/>
-          </a:p>
-        </p:txBody>
-      </p:sp>
-    </p:spTree>
-  </p:cSld>
-  <p:clrMapOvr>
-    <a:masterClrMapping/>
-  </p:clrMapOvr>
-</p:sldLayout>
-</file>
-
-<file path=ppt/slideLayouts/slideLayout4.xml><?xml version="1.0" encoding="utf-8"?>
 <p:sldLayout xmlns:a="http://schemas.openxmlformats.org/drawingml/2006/main" xmlns:r="http://schemas.openxmlformats.org/officeDocument/2006/relationships" xmlns:p="http://schemas.openxmlformats.org/presentationml/2006/main" matchingName="Title + 2 columns" type="twoColTx">
   <p:cSld name="TITLE_AND_TWO_COLUMNS">
     <p:bg>
@@ -3329,7 +2849,7 @@
 </p:sldLayout>
 </file>
 
-<file path=ppt/slideLayouts/slideLayout5.xml><?xml version="1.0" encoding="utf-8"?>
+<file path=ppt/slideLayouts/slideLayout4.xml><?xml version="1.0" encoding="utf-8"?>
 <p:sldLayout xmlns:a="http://schemas.openxmlformats.org/drawingml/2006/main" xmlns:r="http://schemas.openxmlformats.org/officeDocument/2006/relationships" xmlns:p="http://schemas.openxmlformats.org/presentationml/2006/main" matchingName="Title + 3 columns">
   <p:cSld name="TITLE_AND_TWO_COLUMNS_1">
     <p:bg>
@@ -3962,7 +3482,7 @@
 </p:sldLayout>
 </file>
 
-<file path=ppt/slideLayouts/slideLayout6.xml><?xml version="1.0" encoding="utf-8"?>
+<file path=ppt/slideLayouts/slideLayout5.xml><?xml version="1.0" encoding="utf-8"?>
 <p:sldLayout xmlns:a="http://schemas.openxmlformats.org/drawingml/2006/main" xmlns:r="http://schemas.openxmlformats.org/officeDocument/2006/relationships" xmlns:p="http://schemas.openxmlformats.org/presentationml/2006/main" matchingName="Title only" type="titleOnly">
   <p:cSld name="TITLE_ONLY">
     <p:bg>
@@ -4208,7 +3728,7 @@
 </p:sldLayout>
 </file>
 
-<file path=ppt/slideLayouts/slideLayout7.xml><?xml version="1.0" encoding="utf-8"?>
+<file path=ppt/slideLayouts/slideLayout6.xml><?xml version="1.0" encoding="utf-8"?>
 <p:sldLayout xmlns:a="http://schemas.openxmlformats.org/drawingml/2006/main" xmlns:r="http://schemas.openxmlformats.org/officeDocument/2006/relationships" xmlns:p="http://schemas.openxmlformats.org/presentationml/2006/main" matchingName="Blank" type="blank">
   <p:cSld name="BLANK">
     <p:bg>
@@ -5079,11 +4599,10 @@
   <p:sldLayoutIdLst>
     <p:sldLayoutId id="2147483648" r:id="rId1"/>
     <p:sldLayoutId id="2147483649" r:id="rId2"/>
-    <p:sldLayoutId id="2147483651" r:id="rId3"/>
-    <p:sldLayoutId id="2147483652" r:id="rId4"/>
-    <p:sldLayoutId id="2147483653" r:id="rId5"/>
-    <p:sldLayoutId id="2147483654" r:id="rId6"/>
-    <p:sldLayoutId id="2147483656" r:id="rId7"/>
+    <p:sldLayoutId id="2147483652" r:id="rId3"/>
+    <p:sldLayoutId id="2147483653" r:id="rId4"/>
+    <p:sldLayoutId id="2147483654" r:id="rId5"/>
+    <p:sldLayoutId id="2147483656" r:id="rId6"/>
   </p:sldLayoutIdLst>
   <p:transition>
     <p:fade thruBlk="1"/>
@@ -6159,978 +5678,13 @@
   <p:clrMapOvr>
     <a:masterClrMapping/>
   </p:clrMapOvr>
-</p:sld>
-</file>
-
-<file path=ppt/slides/slide10.xml><?xml version="1.0" encoding="utf-8"?>
-<p:sld xmlns:a="http://schemas.openxmlformats.org/drawingml/2006/main" xmlns:r="http://schemas.openxmlformats.org/officeDocument/2006/relationships" xmlns:p="http://schemas.openxmlformats.org/presentationml/2006/main">
-  <p:cSld>
-    <p:bg>
-      <p:bgPr>
-        <a:blipFill>
-          <a:blip r:embed="rId3">
-            <a:alphaModFix/>
-          </a:blip>
-          <a:stretch>
-            <a:fillRect/>
-          </a:stretch>
-        </a:blipFill>
-        <a:effectLst/>
-      </p:bgPr>
-    </p:bg>
-    <p:spTree>
-      <p:nvGrpSpPr>
-        <p:cNvPr id="1" name="Shape 61"/>
-        <p:cNvGrpSpPr/>
-        <p:nvPr/>
-      </p:nvGrpSpPr>
-      <p:grpSpPr>
-        <a:xfrm>
-          <a:off x="0" y="0"/>
-          <a:ext cx="0" cy="0"/>
-          <a:chOff x="0" y="0"/>
-          <a:chExt cx="0" cy="0"/>
-        </a:xfrm>
-      </p:grpSpPr>
-      <p:sp>
-        <p:nvSpPr>
-          <p:cNvPr id="65" name="Google Shape;65;p13"/>
-          <p:cNvSpPr txBox="1">
-            <a:spLocks noGrp="1"/>
-          </p:cNvSpPr>
-          <p:nvPr>
-            <p:ph type="sldNum" idx="12"/>
-          </p:nvPr>
-        </p:nvSpPr>
-        <p:spPr>
-          <a:xfrm>
-            <a:off x="-125" y="4903155"/>
-            <a:ext cx="9144000" cy="214500"/>
-          </a:xfrm>
-          <a:prstGeom prst="rect">
-            <a:avLst/>
-          </a:prstGeom>
-        </p:spPr>
-        <p:txBody>
-          <a:bodyPr spcFirstLastPara="1" wrap="square" lIns="91425" tIns="91425" rIns="91425" bIns="91425" anchor="t" anchorCtr="0">
-            <a:noAutofit/>
-          </a:bodyPr>
-          <a:lstStyle/>
-          <a:p>
-            <a:pPr marL="0" lvl="0" indent="0" algn="ctr" rtl="0">
-              <a:spcBef>
-                <a:spcPts val="0"/>
-              </a:spcBef>
-              <a:spcAft>
-                <a:spcPts val="0"/>
-              </a:spcAft>
-              <a:buNone/>
-            </a:pPr>
-            <a:fld id="{00000000-1234-1234-1234-123412341234}" type="slidenum">
-              <a:rPr lang="en"/>
-              <a:t>10</a:t>
-            </a:fld>
-            <a:endParaRPr/>
-          </a:p>
-        </p:txBody>
-      </p:sp>
-      <p:sp>
-        <p:nvSpPr>
-          <p:cNvPr id="6" name="Google Shape;267;p33">
-            <a:extLst>
-              <a:ext uri="{FF2B5EF4-FFF2-40B4-BE49-F238E27FC236}">
-                <a16:creationId xmlns:a16="http://schemas.microsoft.com/office/drawing/2014/main" id="{FBCAC0E3-5DD9-4FD8-867E-3C477A59F60D}"/>
-              </a:ext>
-            </a:extLst>
-          </p:cNvPr>
-          <p:cNvSpPr txBox="1">
-            <a:spLocks/>
-          </p:cNvSpPr>
-          <p:nvPr/>
-        </p:nvSpPr>
-        <p:spPr>
-          <a:xfrm>
-            <a:off x="685800" y="440342"/>
-            <a:ext cx="7772400" cy="1159800"/>
-          </a:xfrm>
-          <a:prstGeom prst="rect">
-            <a:avLst/>
-          </a:prstGeom>
-          <a:noFill/>
-          <a:ln>
-            <a:noFill/>
-          </a:ln>
-        </p:spPr>
-        <p:txBody>
-          <a:bodyPr spcFirstLastPara="1" wrap="square" lIns="91425" tIns="91425" rIns="91425" bIns="91425" anchor="ctr" anchorCtr="0">
-            <a:noAutofit/>
-          </a:bodyPr>
-          <a:lstStyle>
-            <a:defPPr marR="0" lvl="0" algn="l" rtl="0">
-              <a:lnSpc>
-                <a:spcPct val="100000"/>
-              </a:lnSpc>
-              <a:spcBef>
-                <a:spcPts val="0"/>
-              </a:spcBef>
-              <a:spcAft>
-                <a:spcPts val="0"/>
-              </a:spcAft>
-            </a:defPPr>
-            <a:lvl1pPr marR="0" lvl="0" algn="ctr" rtl="0">
-              <a:lnSpc>
-                <a:spcPct val="100000"/>
-              </a:lnSpc>
-              <a:spcBef>
-                <a:spcPts val="0"/>
-              </a:spcBef>
-              <a:spcAft>
-                <a:spcPts val="0"/>
-              </a:spcAft>
-              <a:buClr>
-                <a:schemeClr val="lt1"/>
-              </a:buClr>
-              <a:buSzPts val="1400"/>
-              <a:buFont typeface="Homemade Apple"/>
-              <a:buNone/>
-              <a:defRPr sz="1400" b="0" i="0" u="none" strike="noStrike" cap="none">
-                <a:solidFill>
-                  <a:schemeClr val="lt1"/>
-                </a:solidFill>
-                <a:latin typeface="Homemade Apple"/>
-                <a:ea typeface="Homemade Apple"/>
-                <a:cs typeface="Homemade Apple"/>
-                <a:sym typeface="Homemade Apple"/>
-              </a:defRPr>
-            </a:lvl1pPr>
-            <a:lvl2pPr marR="0" lvl="1" algn="ctr" rtl="0">
-              <a:lnSpc>
-                <a:spcPct val="100000"/>
-              </a:lnSpc>
-              <a:spcBef>
-                <a:spcPts val="0"/>
-              </a:spcBef>
-              <a:spcAft>
-                <a:spcPts val="0"/>
-              </a:spcAft>
-              <a:buClr>
-                <a:schemeClr val="lt1"/>
-              </a:buClr>
-              <a:buSzPts val="1400"/>
-              <a:buFont typeface="Homemade Apple"/>
-              <a:buNone/>
-              <a:defRPr sz="1400" b="0" i="0" u="none" strike="noStrike" cap="none">
-                <a:solidFill>
-                  <a:schemeClr val="lt1"/>
-                </a:solidFill>
-                <a:latin typeface="Homemade Apple"/>
-                <a:ea typeface="Homemade Apple"/>
-                <a:cs typeface="Homemade Apple"/>
-                <a:sym typeface="Homemade Apple"/>
-              </a:defRPr>
-            </a:lvl2pPr>
-            <a:lvl3pPr marR="0" lvl="2" algn="ctr" rtl="0">
-              <a:lnSpc>
-                <a:spcPct val="100000"/>
-              </a:lnSpc>
-              <a:spcBef>
-                <a:spcPts val="0"/>
-              </a:spcBef>
-              <a:spcAft>
-                <a:spcPts val="0"/>
-              </a:spcAft>
-              <a:buClr>
-                <a:schemeClr val="lt1"/>
-              </a:buClr>
-              <a:buSzPts val="1400"/>
-              <a:buFont typeface="Homemade Apple"/>
-              <a:buNone/>
-              <a:defRPr sz="1400" b="0" i="0" u="none" strike="noStrike" cap="none">
-                <a:solidFill>
-                  <a:schemeClr val="lt1"/>
-                </a:solidFill>
-                <a:latin typeface="Homemade Apple"/>
-                <a:ea typeface="Homemade Apple"/>
-                <a:cs typeface="Homemade Apple"/>
-                <a:sym typeface="Homemade Apple"/>
-              </a:defRPr>
-            </a:lvl3pPr>
-            <a:lvl4pPr marR="0" lvl="3" algn="ctr" rtl="0">
-              <a:lnSpc>
-                <a:spcPct val="100000"/>
-              </a:lnSpc>
-              <a:spcBef>
-                <a:spcPts val="0"/>
-              </a:spcBef>
-              <a:spcAft>
-                <a:spcPts val="0"/>
-              </a:spcAft>
-              <a:buClr>
-                <a:schemeClr val="lt1"/>
-              </a:buClr>
-              <a:buSzPts val="1400"/>
-              <a:buFont typeface="Homemade Apple"/>
-              <a:buNone/>
-              <a:defRPr sz="1400" b="0" i="0" u="none" strike="noStrike" cap="none">
-                <a:solidFill>
-                  <a:schemeClr val="lt1"/>
-                </a:solidFill>
-                <a:latin typeface="Homemade Apple"/>
-                <a:ea typeface="Homemade Apple"/>
-                <a:cs typeface="Homemade Apple"/>
-                <a:sym typeface="Homemade Apple"/>
-              </a:defRPr>
-            </a:lvl4pPr>
-            <a:lvl5pPr marR="0" lvl="4" algn="ctr" rtl="0">
-              <a:lnSpc>
-                <a:spcPct val="100000"/>
-              </a:lnSpc>
-              <a:spcBef>
-                <a:spcPts val="0"/>
-              </a:spcBef>
-              <a:spcAft>
-                <a:spcPts val="0"/>
-              </a:spcAft>
-              <a:buClr>
-                <a:schemeClr val="lt1"/>
-              </a:buClr>
-              <a:buSzPts val="1400"/>
-              <a:buFont typeface="Homemade Apple"/>
-              <a:buNone/>
-              <a:defRPr sz="1400" b="0" i="0" u="none" strike="noStrike" cap="none">
-                <a:solidFill>
-                  <a:schemeClr val="lt1"/>
-                </a:solidFill>
-                <a:latin typeface="Homemade Apple"/>
-                <a:ea typeface="Homemade Apple"/>
-                <a:cs typeface="Homemade Apple"/>
-                <a:sym typeface="Homemade Apple"/>
-              </a:defRPr>
-            </a:lvl5pPr>
-            <a:lvl6pPr marR="0" lvl="5" algn="ctr" rtl="0">
-              <a:lnSpc>
-                <a:spcPct val="100000"/>
-              </a:lnSpc>
-              <a:spcBef>
-                <a:spcPts val="0"/>
-              </a:spcBef>
-              <a:spcAft>
-                <a:spcPts val="0"/>
-              </a:spcAft>
-              <a:buClr>
-                <a:schemeClr val="lt1"/>
-              </a:buClr>
-              <a:buSzPts val="1400"/>
-              <a:buFont typeface="Homemade Apple"/>
-              <a:buNone/>
-              <a:defRPr sz="1400" b="0" i="0" u="none" strike="noStrike" cap="none">
-                <a:solidFill>
-                  <a:schemeClr val="lt1"/>
-                </a:solidFill>
-                <a:latin typeface="Homemade Apple"/>
-                <a:ea typeface="Homemade Apple"/>
-                <a:cs typeface="Homemade Apple"/>
-                <a:sym typeface="Homemade Apple"/>
-              </a:defRPr>
-            </a:lvl6pPr>
-            <a:lvl7pPr marR="0" lvl="6" algn="ctr" rtl="0">
-              <a:lnSpc>
-                <a:spcPct val="100000"/>
-              </a:lnSpc>
-              <a:spcBef>
-                <a:spcPts val="0"/>
-              </a:spcBef>
-              <a:spcAft>
-                <a:spcPts val="0"/>
-              </a:spcAft>
-              <a:buClr>
-                <a:schemeClr val="lt1"/>
-              </a:buClr>
-              <a:buSzPts val="1400"/>
-              <a:buFont typeface="Homemade Apple"/>
-              <a:buNone/>
-              <a:defRPr sz="1400" b="0" i="0" u="none" strike="noStrike" cap="none">
-                <a:solidFill>
-                  <a:schemeClr val="lt1"/>
-                </a:solidFill>
-                <a:latin typeface="Homemade Apple"/>
-                <a:ea typeface="Homemade Apple"/>
-                <a:cs typeface="Homemade Apple"/>
-                <a:sym typeface="Homemade Apple"/>
-              </a:defRPr>
-            </a:lvl7pPr>
-            <a:lvl8pPr marR="0" lvl="7" algn="ctr" rtl="0">
-              <a:lnSpc>
-                <a:spcPct val="100000"/>
-              </a:lnSpc>
-              <a:spcBef>
-                <a:spcPts val="0"/>
-              </a:spcBef>
-              <a:spcAft>
-                <a:spcPts val="0"/>
-              </a:spcAft>
-              <a:buClr>
-                <a:schemeClr val="lt1"/>
-              </a:buClr>
-              <a:buSzPts val="1400"/>
-              <a:buFont typeface="Homemade Apple"/>
-              <a:buNone/>
-              <a:defRPr sz="1400" b="0" i="0" u="none" strike="noStrike" cap="none">
-                <a:solidFill>
-                  <a:schemeClr val="lt1"/>
-                </a:solidFill>
-                <a:latin typeface="Homemade Apple"/>
-                <a:ea typeface="Homemade Apple"/>
-                <a:cs typeface="Homemade Apple"/>
-                <a:sym typeface="Homemade Apple"/>
-              </a:defRPr>
-            </a:lvl8pPr>
-            <a:lvl9pPr marR="0" lvl="8" algn="ctr" rtl="0">
-              <a:lnSpc>
-                <a:spcPct val="100000"/>
-              </a:lnSpc>
-              <a:spcBef>
-                <a:spcPts val="0"/>
-              </a:spcBef>
-              <a:spcAft>
-                <a:spcPts val="0"/>
-              </a:spcAft>
-              <a:buClr>
-                <a:schemeClr val="lt1"/>
-              </a:buClr>
-              <a:buSzPts val="1400"/>
-              <a:buFont typeface="Homemade Apple"/>
-              <a:buNone/>
-              <a:defRPr sz="1400" b="0" i="0" u="none" strike="noStrike" cap="none">
-                <a:solidFill>
-                  <a:schemeClr val="lt1"/>
-                </a:solidFill>
-                <a:latin typeface="Homemade Apple"/>
-                <a:ea typeface="Homemade Apple"/>
-                <a:cs typeface="Homemade Apple"/>
-                <a:sym typeface="Homemade Apple"/>
-              </a:defRPr>
-            </a:lvl9pPr>
-          </a:lstStyle>
-          <a:p>
-            <a:pPr algn="l"/>
-            <a:r>
-              <a:rPr lang="pt-BR" sz="3000" dirty="0"/>
-              <a:t>Obrigado!</a:t>
-            </a:r>
-          </a:p>
-        </p:txBody>
-      </p:sp>
-      <p:sp>
-        <p:nvSpPr>
-          <p:cNvPr id="7" name="Google Shape;268;p33">
-            <a:extLst>
-              <a:ext uri="{FF2B5EF4-FFF2-40B4-BE49-F238E27FC236}">
-                <a16:creationId xmlns:a16="http://schemas.microsoft.com/office/drawing/2014/main" id="{56689A70-8E1F-4FBC-9C75-442E78818794}"/>
-              </a:ext>
-            </a:extLst>
-          </p:cNvPr>
-          <p:cNvSpPr txBox="1">
-            <a:spLocks/>
-          </p:cNvSpPr>
-          <p:nvPr/>
-        </p:nvSpPr>
-        <p:spPr>
-          <a:xfrm>
-            <a:off x="685800" y="1125563"/>
-            <a:ext cx="6593700" cy="784800"/>
-          </a:xfrm>
-          <a:prstGeom prst="rect">
-            <a:avLst/>
-          </a:prstGeom>
-          <a:noFill/>
-          <a:ln>
-            <a:noFill/>
-          </a:ln>
-        </p:spPr>
-        <p:txBody>
-          <a:bodyPr spcFirstLastPara="1" wrap="square" lIns="91425" tIns="91425" rIns="91425" bIns="91425" anchor="t" anchorCtr="0">
-            <a:noAutofit/>
-          </a:bodyPr>
-          <a:lstStyle>
-            <a:defPPr marR="0" lvl="0" algn="l" rtl="0">
-              <a:lnSpc>
-                <a:spcPct val="100000"/>
-              </a:lnSpc>
-              <a:spcBef>
-                <a:spcPts val="0"/>
-              </a:spcBef>
-              <a:spcAft>
-                <a:spcPts val="0"/>
-              </a:spcAft>
-            </a:defPPr>
-            <a:lvl1pPr marL="457200" marR="0" lvl="0" indent="-381000" algn="l" rtl="0">
-              <a:lnSpc>
-                <a:spcPct val="100000"/>
-              </a:lnSpc>
-              <a:spcBef>
-                <a:spcPts val="600"/>
-              </a:spcBef>
-              <a:spcAft>
-                <a:spcPts val="0"/>
-              </a:spcAft>
-              <a:buClr>
-                <a:schemeClr val="lt1"/>
-              </a:buClr>
-              <a:buSzPts val="2400"/>
-              <a:buFont typeface="Raleway"/>
-              <a:buChar char="✘"/>
-              <a:defRPr sz="2400" b="0" i="0" u="none" strike="noStrike" cap="none">
-                <a:solidFill>
-                  <a:schemeClr val="lt1"/>
-                </a:solidFill>
-                <a:latin typeface="Raleway"/>
-                <a:ea typeface="Raleway"/>
-                <a:cs typeface="Raleway"/>
-                <a:sym typeface="Raleway"/>
-              </a:defRPr>
-            </a:lvl1pPr>
-            <a:lvl2pPr marL="914400" marR="0" lvl="1" indent="-381000" algn="l" rtl="0">
-              <a:lnSpc>
-                <a:spcPct val="100000"/>
-              </a:lnSpc>
-              <a:spcBef>
-                <a:spcPts val="0"/>
-              </a:spcBef>
-              <a:spcAft>
-                <a:spcPts val="0"/>
-              </a:spcAft>
-              <a:buClr>
-                <a:schemeClr val="lt1"/>
-              </a:buClr>
-              <a:buSzPts val="2400"/>
-              <a:buFont typeface="Raleway"/>
-              <a:buChar char="○"/>
-              <a:defRPr sz="2400" b="0" i="0" u="none" strike="noStrike" cap="none">
-                <a:solidFill>
-                  <a:schemeClr val="lt1"/>
-                </a:solidFill>
-                <a:latin typeface="Raleway"/>
-                <a:ea typeface="Raleway"/>
-                <a:cs typeface="Raleway"/>
-                <a:sym typeface="Raleway"/>
-              </a:defRPr>
-            </a:lvl2pPr>
-            <a:lvl3pPr marL="1371600" marR="0" lvl="2" indent="-381000" algn="l" rtl="0">
-              <a:lnSpc>
-                <a:spcPct val="100000"/>
-              </a:lnSpc>
-              <a:spcBef>
-                <a:spcPts val="0"/>
-              </a:spcBef>
-              <a:spcAft>
-                <a:spcPts val="0"/>
-              </a:spcAft>
-              <a:buClr>
-                <a:schemeClr val="lt1"/>
-              </a:buClr>
-              <a:buSzPts val="2400"/>
-              <a:buFont typeface="Raleway"/>
-              <a:buChar char="■"/>
-              <a:defRPr sz="2400" b="0" i="0" u="none" strike="noStrike" cap="none">
-                <a:solidFill>
-                  <a:schemeClr val="lt1"/>
-                </a:solidFill>
-                <a:latin typeface="Raleway"/>
-                <a:ea typeface="Raleway"/>
-                <a:cs typeface="Raleway"/>
-                <a:sym typeface="Raleway"/>
-              </a:defRPr>
-            </a:lvl3pPr>
-            <a:lvl4pPr marL="1828800" marR="0" lvl="3" indent="-381000" algn="l" rtl="0">
-              <a:lnSpc>
-                <a:spcPct val="100000"/>
-              </a:lnSpc>
-              <a:spcBef>
-                <a:spcPts val="0"/>
-              </a:spcBef>
-              <a:spcAft>
-                <a:spcPts val="0"/>
-              </a:spcAft>
-              <a:buClr>
-                <a:schemeClr val="lt1"/>
-              </a:buClr>
-              <a:buSzPts val="2400"/>
-              <a:buFont typeface="Raleway"/>
-              <a:buChar char="●"/>
-              <a:defRPr sz="2400" b="0" i="0" u="none" strike="noStrike" cap="none">
-                <a:solidFill>
-                  <a:schemeClr val="lt1"/>
-                </a:solidFill>
-                <a:latin typeface="Raleway"/>
-                <a:ea typeface="Raleway"/>
-                <a:cs typeface="Raleway"/>
-                <a:sym typeface="Raleway"/>
-              </a:defRPr>
-            </a:lvl4pPr>
-            <a:lvl5pPr marL="2286000" marR="0" lvl="4" indent="-381000" algn="l" rtl="0">
-              <a:lnSpc>
-                <a:spcPct val="100000"/>
-              </a:lnSpc>
-              <a:spcBef>
-                <a:spcPts val="0"/>
-              </a:spcBef>
-              <a:spcAft>
-                <a:spcPts val="0"/>
-              </a:spcAft>
-              <a:buClr>
-                <a:schemeClr val="lt1"/>
-              </a:buClr>
-              <a:buSzPts val="2400"/>
-              <a:buFont typeface="Raleway"/>
-              <a:buChar char="○"/>
-              <a:defRPr sz="2400" b="0" i="0" u="none" strike="noStrike" cap="none">
-                <a:solidFill>
-                  <a:schemeClr val="lt1"/>
-                </a:solidFill>
-                <a:latin typeface="Raleway"/>
-                <a:ea typeface="Raleway"/>
-                <a:cs typeface="Raleway"/>
-                <a:sym typeface="Raleway"/>
-              </a:defRPr>
-            </a:lvl5pPr>
-            <a:lvl6pPr marL="2743200" marR="0" lvl="5" indent="-381000" algn="l" rtl="0">
-              <a:lnSpc>
-                <a:spcPct val="100000"/>
-              </a:lnSpc>
-              <a:spcBef>
-                <a:spcPts val="0"/>
-              </a:spcBef>
-              <a:spcAft>
-                <a:spcPts val="0"/>
-              </a:spcAft>
-              <a:buClr>
-                <a:schemeClr val="lt1"/>
-              </a:buClr>
-              <a:buSzPts val="2400"/>
-              <a:buFont typeface="Raleway"/>
-              <a:buChar char="■"/>
-              <a:defRPr sz="2400" b="0" i="0" u="none" strike="noStrike" cap="none">
-                <a:solidFill>
-                  <a:schemeClr val="lt1"/>
-                </a:solidFill>
-                <a:latin typeface="Raleway"/>
-                <a:ea typeface="Raleway"/>
-                <a:cs typeface="Raleway"/>
-                <a:sym typeface="Raleway"/>
-              </a:defRPr>
-            </a:lvl6pPr>
-            <a:lvl7pPr marL="3200400" marR="0" lvl="6" indent="-381000" algn="l" rtl="0">
-              <a:lnSpc>
-                <a:spcPct val="100000"/>
-              </a:lnSpc>
-              <a:spcBef>
-                <a:spcPts val="0"/>
-              </a:spcBef>
-              <a:spcAft>
-                <a:spcPts val="0"/>
-              </a:spcAft>
-              <a:buClr>
-                <a:schemeClr val="lt1"/>
-              </a:buClr>
-              <a:buSzPts val="2400"/>
-              <a:buFont typeface="Raleway"/>
-              <a:buChar char="●"/>
-              <a:defRPr sz="2400" b="0" i="0" u="none" strike="noStrike" cap="none">
-                <a:solidFill>
-                  <a:schemeClr val="lt1"/>
-                </a:solidFill>
-                <a:latin typeface="Raleway"/>
-                <a:ea typeface="Raleway"/>
-                <a:cs typeface="Raleway"/>
-                <a:sym typeface="Raleway"/>
-              </a:defRPr>
-            </a:lvl7pPr>
-            <a:lvl8pPr marL="3657600" marR="0" lvl="7" indent="-381000" algn="l" rtl="0">
-              <a:lnSpc>
-                <a:spcPct val="100000"/>
-              </a:lnSpc>
-              <a:spcBef>
-                <a:spcPts val="0"/>
-              </a:spcBef>
-              <a:spcAft>
-                <a:spcPts val="0"/>
-              </a:spcAft>
-              <a:buClr>
-                <a:schemeClr val="lt1"/>
-              </a:buClr>
-              <a:buSzPts val="2400"/>
-              <a:buFont typeface="Raleway"/>
-              <a:buChar char="○"/>
-              <a:defRPr sz="2400" b="0" i="0" u="none" strike="noStrike" cap="none">
-                <a:solidFill>
-                  <a:schemeClr val="lt1"/>
-                </a:solidFill>
-                <a:latin typeface="Raleway"/>
-                <a:ea typeface="Raleway"/>
-                <a:cs typeface="Raleway"/>
-                <a:sym typeface="Raleway"/>
-              </a:defRPr>
-            </a:lvl8pPr>
-            <a:lvl9pPr marL="4114800" marR="0" lvl="8" indent="-381000" algn="l" rtl="0">
-              <a:lnSpc>
-                <a:spcPct val="100000"/>
-              </a:lnSpc>
-              <a:spcBef>
-                <a:spcPts val="0"/>
-              </a:spcBef>
-              <a:spcAft>
-                <a:spcPts val="0"/>
-              </a:spcAft>
-              <a:buClr>
-                <a:schemeClr val="lt1"/>
-              </a:buClr>
-              <a:buSzPts val="2400"/>
-              <a:buFont typeface="Raleway"/>
-              <a:buChar char="■"/>
-              <a:defRPr sz="2400" b="0" i="0" u="none" strike="noStrike" cap="none">
-                <a:solidFill>
-                  <a:schemeClr val="lt1"/>
-                </a:solidFill>
-                <a:latin typeface="Raleway"/>
-                <a:ea typeface="Raleway"/>
-                <a:cs typeface="Raleway"/>
-                <a:sym typeface="Raleway"/>
-              </a:defRPr>
-            </a:lvl9pPr>
-          </a:lstStyle>
-          <a:p>
-            <a:pPr marL="0" indent="0">
-              <a:buFont typeface="Raleway"/>
-              <a:buNone/>
-            </a:pPr>
-            <a:r>
-              <a:rPr lang="pt-BR" sz="4800" b="1" dirty="0"/>
-              <a:t>Alguma dúvida?</a:t>
-            </a:r>
-          </a:p>
-        </p:txBody>
-      </p:sp>
-      <p:sp>
-        <p:nvSpPr>
-          <p:cNvPr id="8" name="Google Shape;269;p33">
-            <a:extLst>
-              <a:ext uri="{FF2B5EF4-FFF2-40B4-BE49-F238E27FC236}">
-                <a16:creationId xmlns:a16="http://schemas.microsoft.com/office/drawing/2014/main" id="{70957CBE-1CC8-442A-9021-27F557735A4A}"/>
-              </a:ext>
-            </a:extLst>
-          </p:cNvPr>
-          <p:cNvSpPr txBox="1">
-            <a:spLocks/>
-          </p:cNvSpPr>
-          <p:nvPr/>
-        </p:nvSpPr>
-        <p:spPr>
-          <a:xfrm>
-            <a:off x="4523350" y="2464406"/>
-            <a:ext cx="3834300" cy="2034600"/>
-          </a:xfrm>
-          <a:prstGeom prst="rect">
-            <a:avLst/>
-          </a:prstGeom>
-          <a:noFill/>
-          <a:ln>
-            <a:noFill/>
-          </a:ln>
-        </p:spPr>
-        <p:txBody>
-          <a:bodyPr spcFirstLastPara="1" wrap="square" lIns="91425" tIns="91425" rIns="91425" bIns="91425" anchor="b" anchorCtr="0">
-            <a:noAutofit/>
-          </a:bodyPr>
-          <a:lstStyle>
-            <a:defPPr marR="0" lvl="0" algn="l" rtl="0">
-              <a:lnSpc>
-                <a:spcPct val="100000"/>
-              </a:lnSpc>
-              <a:spcBef>
-                <a:spcPts val="0"/>
-              </a:spcBef>
-              <a:spcAft>
-                <a:spcPts val="0"/>
-              </a:spcAft>
-            </a:defPPr>
-            <a:lvl1pPr marL="457200" marR="0" lvl="0" indent="-381000" algn="l" rtl="0">
-              <a:lnSpc>
-                <a:spcPct val="100000"/>
-              </a:lnSpc>
-              <a:spcBef>
-                <a:spcPts val="600"/>
-              </a:spcBef>
-              <a:spcAft>
-                <a:spcPts val="0"/>
-              </a:spcAft>
-              <a:buClr>
-                <a:schemeClr val="lt1"/>
-              </a:buClr>
-              <a:buSzPts val="2400"/>
-              <a:buFont typeface="Raleway"/>
-              <a:buChar char="✘"/>
-              <a:defRPr sz="2400" b="0" i="0" u="none" strike="noStrike" cap="none">
-                <a:solidFill>
-                  <a:schemeClr val="lt1"/>
-                </a:solidFill>
-                <a:latin typeface="Raleway"/>
-                <a:ea typeface="Raleway"/>
-                <a:cs typeface="Raleway"/>
-                <a:sym typeface="Raleway"/>
-              </a:defRPr>
-            </a:lvl1pPr>
-            <a:lvl2pPr marL="914400" marR="0" lvl="1" indent="-381000" algn="l" rtl="0">
-              <a:lnSpc>
-                <a:spcPct val="100000"/>
-              </a:lnSpc>
-              <a:spcBef>
-                <a:spcPts val="0"/>
-              </a:spcBef>
-              <a:spcAft>
-                <a:spcPts val="0"/>
-              </a:spcAft>
-              <a:buClr>
-                <a:schemeClr val="lt1"/>
-              </a:buClr>
-              <a:buSzPts val="2400"/>
-              <a:buFont typeface="Raleway"/>
-              <a:buChar char="○"/>
-              <a:defRPr sz="2400" b="0" i="0" u="none" strike="noStrike" cap="none">
-                <a:solidFill>
-                  <a:schemeClr val="lt1"/>
-                </a:solidFill>
-                <a:latin typeface="Raleway"/>
-                <a:ea typeface="Raleway"/>
-                <a:cs typeface="Raleway"/>
-                <a:sym typeface="Raleway"/>
-              </a:defRPr>
-            </a:lvl2pPr>
-            <a:lvl3pPr marL="1371600" marR="0" lvl="2" indent="-381000" algn="l" rtl="0">
-              <a:lnSpc>
-                <a:spcPct val="100000"/>
-              </a:lnSpc>
-              <a:spcBef>
-                <a:spcPts val="0"/>
-              </a:spcBef>
-              <a:spcAft>
-                <a:spcPts val="0"/>
-              </a:spcAft>
-              <a:buClr>
-                <a:schemeClr val="lt1"/>
-              </a:buClr>
-              <a:buSzPts val="2400"/>
-              <a:buFont typeface="Raleway"/>
-              <a:buChar char="■"/>
-              <a:defRPr sz="2400" b="0" i="0" u="none" strike="noStrike" cap="none">
-                <a:solidFill>
-                  <a:schemeClr val="lt1"/>
-                </a:solidFill>
-                <a:latin typeface="Raleway"/>
-                <a:ea typeface="Raleway"/>
-                <a:cs typeface="Raleway"/>
-                <a:sym typeface="Raleway"/>
-              </a:defRPr>
-            </a:lvl3pPr>
-            <a:lvl4pPr marL="1828800" marR="0" lvl="3" indent="-381000" algn="l" rtl="0">
-              <a:lnSpc>
-                <a:spcPct val="100000"/>
-              </a:lnSpc>
-              <a:spcBef>
-                <a:spcPts val="0"/>
-              </a:spcBef>
-              <a:spcAft>
-                <a:spcPts val="0"/>
-              </a:spcAft>
-              <a:buClr>
-                <a:schemeClr val="lt1"/>
-              </a:buClr>
-              <a:buSzPts val="2400"/>
-              <a:buFont typeface="Raleway"/>
-              <a:buChar char="●"/>
-              <a:defRPr sz="2400" b="0" i="0" u="none" strike="noStrike" cap="none">
-                <a:solidFill>
-                  <a:schemeClr val="lt1"/>
-                </a:solidFill>
-                <a:latin typeface="Raleway"/>
-                <a:ea typeface="Raleway"/>
-                <a:cs typeface="Raleway"/>
-                <a:sym typeface="Raleway"/>
-              </a:defRPr>
-            </a:lvl4pPr>
-            <a:lvl5pPr marL="2286000" marR="0" lvl="4" indent="-381000" algn="l" rtl="0">
-              <a:lnSpc>
-                <a:spcPct val="100000"/>
-              </a:lnSpc>
-              <a:spcBef>
-                <a:spcPts val="0"/>
-              </a:spcBef>
-              <a:spcAft>
-                <a:spcPts val="0"/>
-              </a:spcAft>
-              <a:buClr>
-                <a:schemeClr val="lt1"/>
-              </a:buClr>
-              <a:buSzPts val="2400"/>
-              <a:buFont typeface="Raleway"/>
-              <a:buChar char="○"/>
-              <a:defRPr sz="2400" b="0" i="0" u="none" strike="noStrike" cap="none">
-                <a:solidFill>
-                  <a:schemeClr val="lt1"/>
-                </a:solidFill>
-                <a:latin typeface="Raleway"/>
-                <a:ea typeface="Raleway"/>
-                <a:cs typeface="Raleway"/>
-                <a:sym typeface="Raleway"/>
-              </a:defRPr>
-            </a:lvl5pPr>
-            <a:lvl6pPr marL="2743200" marR="0" lvl="5" indent="-381000" algn="l" rtl="0">
-              <a:lnSpc>
-                <a:spcPct val="100000"/>
-              </a:lnSpc>
-              <a:spcBef>
-                <a:spcPts val="0"/>
-              </a:spcBef>
-              <a:spcAft>
-                <a:spcPts val="0"/>
-              </a:spcAft>
-              <a:buClr>
-                <a:schemeClr val="lt1"/>
-              </a:buClr>
-              <a:buSzPts val="2400"/>
-              <a:buFont typeface="Raleway"/>
-              <a:buChar char="■"/>
-              <a:defRPr sz="2400" b="0" i="0" u="none" strike="noStrike" cap="none">
-                <a:solidFill>
-                  <a:schemeClr val="lt1"/>
-                </a:solidFill>
-                <a:latin typeface="Raleway"/>
-                <a:ea typeface="Raleway"/>
-                <a:cs typeface="Raleway"/>
-                <a:sym typeface="Raleway"/>
-              </a:defRPr>
-            </a:lvl6pPr>
-            <a:lvl7pPr marL="3200400" marR="0" lvl="6" indent="-381000" algn="l" rtl="0">
-              <a:lnSpc>
-                <a:spcPct val="100000"/>
-              </a:lnSpc>
-              <a:spcBef>
-                <a:spcPts val="0"/>
-              </a:spcBef>
-              <a:spcAft>
-                <a:spcPts val="0"/>
-              </a:spcAft>
-              <a:buClr>
-                <a:schemeClr val="lt1"/>
-              </a:buClr>
-              <a:buSzPts val="2400"/>
-              <a:buFont typeface="Raleway"/>
-              <a:buChar char="●"/>
-              <a:defRPr sz="2400" b="0" i="0" u="none" strike="noStrike" cap="none">
-                <a:solidFill>
-                  <a:schemeClr val="lt1"/>
-                </a:solidFill>
-                <a:latin typeface="Raleway"/>
-                <a:ea typeface="Raleway"/>
-                <a:cs typeface="Raleway"/>
-                <a:sym typeface="Raleway"/>
-              </a:defRPr>
-            </a:lvl7pPr>
-            <a:lvl8pPr marL="3657600" marR="0" lvl="7" indent="-381000" algn="l" rtl="0">
-              <a:lnSpc>
-                <a:spcPct val="100000"/>
-              </a:lnSpc>
-              <a:spcBef>
-                <a:spcPts val="0"/>
-              </a:spcBef>
-              <a:spcAft>
-                <a:spcPts val="0"/>
-              </a:spcAft>
-              <a:buClr>
-                <a:schemeClr val="lt1"/>
-              </a:buClr>
-              <a:buSzPts val="2400"/>
-              <a:buFont typeface="Raleway"/>
-              <a:buChar char="○"/>
-              <a:defRPr sz="2400" b="0" i="0" u="none" strike="noStrike" cap="none">
-                <a:solidFill>
-                  <a:schemeClr val="lt1"/>
-                </a:solidFill>
-                <a:latin typeface="Raleway"/>
-                <a:ea typeface="Raleway"/>
-                <a:cs typeface="Raleway"/>
-                <a:sym typeface="Raleway"/>
-              </a:defRPr>
-            </a:lvl8pPr>
-            <a:lvl9pPr marL="4114800" marR="0" lvl="8" indent="-381000" algn="l" rtl="0">
-              <a:lnSpc>
-                <a:spcPct val="100000"/>
-              </a:lnSpc>
-              <a:spcBef>
-                <a:spcPts val="0"/>
-              </a:spcBef>
-              <a:spcAft>
-                <a:spcPts val="0"/>
-              </a:spcAft>
-              <a:buClr>
-                <a:schemeClr val="lt1"/>
-              </a:buClr>
-              <a:buSzPts val="2400"/>
-              <a:buFont typeface="Raleway"/>
-              <a:buChar char="■"/>
-              <a:defRPr sz="2400" b="0" i="0" u="none" strike="noStrike" cap="none">
-                <a:solidFill>
-                  <a:schemeClr val="lt1"/>
-                </a:solidFill>
-                <a:latin typeface="Raleway"/>
-                <a:ea typeface="Raleway"/>
-                <a:cs typeface="Raleway"/>
-                <a:sym typeface="Raleway"/>
-              </a:defRPr>
-            </a:lvl9pPr>
-          </a:lstStyle>
-          <a:p>
-            <a:pPr marL="0" indent="0" algn="r">
-              <a:buFont typeface="Raleway"/>
-              <a:buNone/>
-            </a:pPr>
-            <a:r>
-              <a:rPr lang="en-US" dirty="0"/>
-              <a:t>You can find me at:</a:t>
-            </a:r>
-          </a:p>
-          <a:p>
-            <a:pPr marL="0" indent="0" algn="r">
-              <a:buFont typeface="Raleway"/>
-              <a:buNone/>
-            </a:pPr>
-            <a:r>
-              <a:rPr lang="en-US" dirty="0"/>
-              <a:t>@username</a:t>
-            </a:r>
-          </a:p>
-          <a:p>
-            <a:pPr marL="0" indent="0" algn="r">
-              <a:buFont typeface="Raleway"/>
-              <a:buNone/>
-            </a:pPr>
-            <a:r>
-              <a:rPr lang="en-US" dirty="0"/>
-              <a:t>user@mail.me</a:t>
-            </a:r>
-          </a:p>
-        </p:txBody>
-      </p:sp>
-    </p:spTree>
-    <p:extLst>
-      <p:ext uri="{BB962C8B-B14F-4D97-AF65-F5344CB8AC3E}">
-        <p14:creationId xmlns:p14="http://schemas.microsoft.com/office/powerpoint/2010/main" val="2589305235"/>
-      </p:ext>
-    </p:extLst>
-  </p:cSld>
-  <p:clrMapOvr>
-    <a:masterClrMapping/>
-  </p:clrMapOvr>
+  <p:timing>
+    <p:tnLst>
+      <p:par>
+        <p:cTn id="1" dur="indefinite" restart="never" nodeType="tmRoot"/>
+      </p:par>
+    </p:tnLst>
+  </p:timing>
 </p:sld>
 </file>
 
@@ -7239,251 +5793,17 @@
   <p:clrMapOvr>
     <a:masterClrMapping/>
   </p:clrMapOvr>
+  <p:timing>
+    <p:tnLst>
+      <p:par>
+        <p:cTn id="1" dur="indefinite" restart="never" nodeType="tmRoot"/>
+      </p:par>
+    </p:tnLst>
+  </p:timing>
 </p:sld>
 </file>
 
 <file path=ppt/slides/slide3.xml><?xml version="1.0" encoding="utf-8"?>
-<p:sld xmlns:a="http://schemas.openxmlformats.org/drawingml/2006/main" xmlns:r="http://schemas.openxmlformats.org/officeDocument/2006/relationships" xmlns:p="http://schemas.openxmlformats.org/presentationml/2006/main">
-  <p:cSld>
-    <p:spTree>
-      <p:nvGrpSpPr>
-        <p:cNvPr id="1" name="Shape 69"/>
-        <p:cNvGrpSpPr/>
-        <p:nvPr/>
-      </p:nvGrpSpPr>
-      <p:grpSpPr>
-        <a:xfrm>
-          <a:off x="0" y="0"/>
-          <a:ext cx="0" cy="0"/>
-          <a:chOff x="0" y="0"/>
-          <a:chExt cx="0" cy="0"/>
-        </a:xfrm>
-      </p:grpSpPr>
-      <p:sp>
-        <p:nvSpPr>
-          <p:cNvPr id="70" name="Google Shape;70;p14"/>
-          <p:cNvSpPr txBox="1">
-            <a:spLocks noGrp="1"/>
-          </p:cNvSpPr>
-          <p:nvPr>
-            <p:ph type="ctrTitle"/>
-          </p:nvPr>
-        </p:nvSpPr>
-        <p:spPr>
-          <a:xfrm>
-            <a:off x="1475656" y="267494"/>
-            <a:ext cx="6141600" cy="1159800"/>
-          </a:xfrm>
-          <a:prstGeom prst="rect">
-            <a:avLst/>
-          </a:prstGeom>
-        </p:spPr>
-        <p:txBody>
-          <a:bodyPr spcFirstLastPara="1" wrap="square" lIns="91425" tIns="91425" rIns="91425" bIns="91425" anchor="b" anchorCtr="0">
-            <a:noAutofit/>
-          </a:bodyPr>
-          <a:lstStyle/>
-          <a:p>
-            <a:pPr marL="0" lvl="0" indent="0" algn="ctr" rtl="0">
-              <a:spcBef>
-                <a:spcPts val="0"/>
-              </a:spcBef>
-              <a:spcAft>
-                <a:spcPts val="0"/>
-              </a:spcAft>
-              <a:buNone/>
-            </a:pPr>
-            <a:r>
-              <a:rPr lang="en" dirty="0"/>
-              <a:t>1.</a:t>
-            </a:r>
-            <a:endParaRPr dirty="0"/>
-          </a:p>
-          <a:p>
-            <a:pPr marL="0" lvl="0" indent="0" algn="ctr" rtl="0">
-              <a:spcBef>
-                <a:spcPts val="0"/>
-              </a:spcBef>
-              <a:spcAft>
-                <a:spcPts val="0"/>
-              </a:spcAft>
-              <a:buNone/>
-            </a:pPr>
-            <a:r>
-              <a:rPr lang="en" dirty="0"/>
-              <a:t>Contextualiazando…</a:t>
-            </a:r>
-            <a:endParaRPr dirty="0"/>
-          </a:p>
-        </p:txBody>
-      </p:sp>
-      <p:sp>
-        <p:nvSpPr>
-          <p:cNvPr id="71" name="Google Shape;71;p14"/>
-          <p:cNvSpPr txBox="1">
-            <a:spLocks noGrp="1"/>
-          </p:cNvSpPr>
-          <p:nvPr>
-            <p:ph type="subTitle" idx="1"/>
-          </p:nvPr>
-        </p:nvSpPr>
-        <p:spPr>
-          <a:xfrm>
-            <a:off x="1547664" y="1347614"/>
-            <a:ext cx="6141600" cy="576064"/>
-          </a:xfrm>
-          <a:prstGeom prst="rect">
-            <a:avLst/>
-          </a:prstGeom>
-        </p:spPr>
-        <p:txBody>
-          <a:bodyPr spcFirstLastPara="1" wrap="square" lIns="91425" tIns="91425" rIns="91425" bIns="91425" anchor="t" anchorCtr="0">
-            <a:noAutofit/>
-          </a:bodyPr>
-          <a:lstStyle/>
-          <a:p>
-            <a:pPr marL="0" lvl="0" indent="0" algn="ctr" rtl="0">
-              <a:spcBef>
-                <a:spcPts val="0"/>
-              </a:spcBef>
-              <a:spcAft>
-                <a:spcPts val="0"/>
-              </a:spcAft>
-              <a:buNone/>
-            </a:pPr>
-            <a:r>
-              <a:rPr lang="pt-BR" dirty="0"/>
-              <a:t>Música para os meus ouvidos</a:t>
-            </a:r>
-            <a:endParaRPr dirty="0"/>
-          </a:p>
-        </p:txBody>
-      </p:sp>
-      <p:sp>
-        <p:nvSpPr>
-          <p:cNvPr id="72" name="Google Shape;72;p14"/>
-          <p:cNvSpPr txBox="1">
-            <a:spLocks noGrp="1"/>
-          </p:cNvSpPr>
-          <p:nvPr>
-            <p:ph type="sldNum" idx="12"/>
-          </p:nvPr>
-        </p:nvSpPr>
-        <p:spPr>
-          <a:xfrm>
-            <a:off x="-125" y="4903155"/>
-            <a:ext cx="9144000" cy="214500"/>
-          </a:xfrm>
-          <a:prstGeom prst="rect">
-            <a:avLst/>
-          </a:prstGeom>
-        </p:spPr>
-        <p:txBody>
-          <a:bodyPr spcFirstLastPara="1" wrap="square" lIns="91425" tIns="91425" rIns="91425" bIns="91425" anchor="t" anchorCtr="0">
-            <a:noAutofit/>
-          </a:bodyPr>
-          <a:lstStyle/>
-          <a:p>
-            <a:pPr marL="0" lvl="0" indent="0" algn="ctr" rtl="0">
-              <a:spcBef>
-                <a:spcPts val="0"/>
-              </a:spcBef>
-              <a:spcAft>
-                <a:spcPts val="0"/>
-              </a:spcAft>
-              <a:buNone/>
-            </a:pPr>
-            <a:fld id="{00000000-1234-1234-1234-123412341234}" type="slidenum">
-              <a:rPr lang="en"/>
-              <a:t>3</a:t>
-            </a:fld>
-            <a:endParaRPr/>
-          </a:p>
-        </p:txBody>
-      </p:sp>
-      <p:sp>
-        <p:nvSpPr>
-          <p:cNvPr id="2" name="CaixaDeTexto 1"/>
-          <p:cNvSpPr txBox="1"/>
-          <p:nvPr/>
-        </p:nvSpPr>
-        <p:spPr>
-          <a:xfrm>
-            <a:off x="2411760" y="1995686"/>
-            <a:ext cx="4752528" cy="2246769"/>
-          </a:xfrm>
-          <a:prstGeom prst="rect">
-            <a:avLst/>
-          </a:prstGeom>
-          <a:noFill/>
-        </p:spPr>
-        <p:txBody>
-          <a:bodyPr wrap="square" rtlCol="0">
-            <a:spAutoFit/>
-          </a:bodyPr>
-          <a:lstStyle/>
-          <a:p>
-            <a:pPr lvl="0" algn="ctr">
-              <a:buSzPts val="1400"/>
-            </a:pPr>
-            <a:r>
-              <a:rPr lang="pt-BR" sz="2000" dirty="0">
-                <a:solidFill>
-                  <a:srgbClr val="FEFAF6"/>
-                </a:solidFill>
-                <a:latin typeface="Raleway" charset="0"/>
-                <a:sym typeface="Lato"/>
-              </a:rPr>
-              <a:t>Por que dessa escolha, qual sua relevância no mundo (pode ser em cenário nacional, mundial ou até em um escopo menor)</a:t>
-            </a:r>
-          </a:p>
-          <a:p>
-            <a:pPr lvl="0" algn="ctr">
-              <a:buSzPts val="1400"/>
-            </a:pPr>
-            <a:endParaRPr lang="pt-BR" sz="2000" dirty="0">
-              <a:solidFill>
-                <a:srgbClr val="FEFAF6"/>
-              </a:solidFill>
-              <a:latin typeface="Raleway" charset="0"/>
-              <a:sym typeface="Lato"/>
-            </a:endParaRPr>
-          </a:p>
-          <a:p>
-            <a:pPr lvl="0" algn="ctr">
-              <a:buSzPts val="1400"/>
-            </a:pPr>
-            <a:endParaRPr lang="pt-BR" sz="2000" dirty="0">
-              <a:solidFill>
-                <a:srgbClr val="FEFAF6"/>
-              </a:solidFill>
-              <a:latin typeface="Raleway" charset="0"/>
-              <a:sym typeface="Lato"/>
-            </a:endParaRPr>
-          </a:p>
-          <a:p>
-            <a:pPr lvl="0" algn="ctr">
-              <a:buSzPts val="1400"/>
-            </a:pPr>
-            <a:endParaRPr lang="pt-BR" sz="2000" dirty="0">
-              <a:solidFill>
-                <a:srgbClr val="FEFAF6"/>
-              </a:solidFill>
-              <a:latin typeface="Raleway" charset="0"/>
-              <a:sym typeface="Lato"/>
-            </a:endParaRPr>
-          </a:p>
-        </p:txBody>
-      </p:sp>
-    </p:spTree>
-  </p:cSld>
-  <p:clrMapOvr>
-    <a:masterClrMapping/>
-  </p:clrMapOvr>
-</p:sld>
-</file>
-
-<file path=ppt/slides/slide4.xml><?xml version="1.0" encoding="utf-8"?>
 <p:sld xmlns:a="http://schemas.openxmlformats.org/drawingml/2006/main" xmlns:r="http://schemas.openxmlformats.org/officeDocument/2006/relationships" xmlns:p="http://schemas.openxmlformats.org/presentationml/2006/main">
   <p:cSld>
     <p:spTree>
@@ -7582,7 +5902,7 @@
             </a:pPr>
             <a:fld id="{00000000-1234-1234-1234-123412341234}" type="slidenum">
               <a:rPr lang="en"/>
-              <a:t>4</a:t>
+              <a:t>3</a:t>
             </a:fld>
             <a:endParaRPr/>
           </a:p>
@@ -7628,6 +5948,171 @@
   <p:clrMapOvr>
     <a:masterClrMapping/>
   </p:clrMapOvr>
+  <p:timing>
+    <p:tnLst>
+      <p:par>
+        <p:cTn id="1" dur="indefinite" restart="never" nodeType="tmRoot"/>
+      </p:par>
+    </p:tnLst>
+  </p:timing>
+</p:sld>
+</file>
+
+<file path=ppt/slides/slide4.xml><?xml version="1.0" encoding="utf-8"?>
+<p:sld xmlns:a="http://schemas.openxmlformats.org/drawingml/2006/main" xmlns:r="http://schemas.openxmlformats.org/officeDocument/2006/relationships" xmlns:p="http://schemas.openxmlformats.org/presentationml/2006/main">
+  <p:cSld>
+    <p:spTree>
+      <p:nvGrpSpPr>
+        <p:cNvPr id="1" name="Shape 69"/>
+        <p:cNvGrpSpPr/>
+        <p:nvPr/>
+      </p:nvGrpSpPr>
+      <p:grpSpPr>
+        <a:xfrm>
+          <a:off x="0" y="0"/>
+          <a:ext cx="0" cy="0"/>
+          <a:chOff x="0" y="0"/>
+          <a:chExt cx="0" cy="0"/>
+        </a:xfrm>
+      </p:grpSpPr>
+      <p:sp>
+        <p:nvSpPr>
+          <p:cNvPr id="70" name="Google Shape;70;p14"/>
+          <p:cNvSpPr txBox="1">
+            <a:spLocks noGrp="1"/>
+          </p:cNvSpPr>
+          <p:nvPr>
+            <p:ph type="ctrTitle"/>
+          </p:nvPr>
+        </p:nvSpPr>
+        <p:spPr>
+          <a:xfrm>
+            <a:off x="1501075" y="1419622"/>
+            <a:ext cx="6141600" cy="1159800"/>
+          </a:xfrm>
+          <a:prstGeom prst="rect">
+            <a:avLst/>
+          </a:prstGeom>
+        </p:spPr>
+        <p:txBody>
+          <a:bodyPr spcFirstLastPara="1" wrap="square" lIns="91425" tIns="91425" rIns="91425" bIns="91425" anchor="b" anchorCtr="0">
+            <a:noAutofit/>
+          </a:bodyPr>
+          <a:lstStyle/>
+          <a:p>
+            <a:pPr marL="0" lvl="0" indent="0" algn="ctr" rtl="0">
+              <a:spcBef>
+                <a:spcPts val="0"/>
+              </a:spcBef>
+              <a:spcAft>
+                <a:spcPts val="0"/>
+              </a:spcAft>
+              <a:buNone/>
+            </a:pPr>
+            <a:r>
+              <a:rPr lang="en" sz="4400" b="1" dirty="0" smtClean="0"/>
+              <a:t>Site - EKmusic</a:t>
+            </a:r>
+            <a:endParaRPr sz="4400" b="1" dirty="0"/>
+          </a:p>
+        </p:txBody>
+      </p:sp>
+      <p:sp>
+        <p:nvSpPr>
+          <p:cNvPr id="71" name="Google Shape;71;p14"/>
+          <p:cNvSpPr txBox="1">
+            <a:spLocks noGrp="1"/>
+          </p:cNvSpPr>
+          <p:nvPr>
+            <p:ph type="subTitle" idx="1"/>
+          </p:nvPr>
+        </p:nvSpPr>
+        <p:spPr>
+          <a:xfrm>
+            <a:off x="3347864" y="4535772"/>
+            <a:ext cx="6141600" cy="576064"/>
+          </a:xfrm>
+          <a:prstGeom prst="rect">
+            <a:avLst/>
+          </a:prstGeom>
+        </p:spPr>
+        <p:txBody>
+          <a:bodyPr spcFirstLastPara="1" wrap="square" lIns="91425" tIns="91425" rIns="91425" bIns="91425" anchor="t" anchorCtr="0">
+            <a:noAutofit/>
+          </a:bodyPr>
+          <a:lstStyle/>
+          <a:p>
+            <a:pPr marL="0" lvl="0" indent="0" algn="ctr" rtl="0">
+              <a:spcBef>
+                <a:spcPts val="0"/>
+              </a:spcBef>
+              <a:spcAft>
+                <a:spcPts val="0"/>
+              </a:spcAft>
+              <a:buNone/>
+            </a:pPr>
+            <a:r>
+              <a:rPr lang="pt-BR" sz="2400" dirty="0"/>
+              <a:t>Música para os meus ouvidos</a:t>
+            </a:r>
+            <a:endParaRPr sz="2400" dirty="0"/>
+          </a:p>
+        </p:txBody>
+      </p:sp>
+      <p:sp>
+        <p:nvSpPr>
+          <p:cNvPr id="72" name="Google Shape;72;p14"/>
+          <p:cNvSpPr txBox="1">
+            <a:spLocks noGrp="1"/>
+          </p:cNvSpPr>
+          <p:nvPr>
+            <p:ph type="sldNum" idx="12"/>
+          </p:nvPr>
+        </p:nvSpPr>
+        <p:spPr>
+          <a:xfrm>
+            <a:off x="-125" y="4903155"/>
+            <a:ext cx="9144000" cy="214500"/>
+          </a:xfrm>
+          <a:prstGeom prst="rect">
+            <a:avLst/>
+          </a:prstGeom>
+        </p:spPr>
+        <p:txBody>
+          <a:bodyPr spcFirstLastPara="1" wrap="square" lIns="91425" tIns="91425" rIns="91425" bIns="91425" anchor="t" anchorCtr="0">
+            <a:noAutofit/>
+          </a:bodyPr>
+          <a:lstStyle/>
+          <a:p>
+            <a:pPr marL="0" lvl="0" indent="0" algn="ctr" rtl="0">
+              <a:spcBef>
+                <a:spcPts val="0"/>
+              </a:spcBef>
+              <a:spcAft>
+                <a:spcPts val="0"/>
+              </a:spcAft>
+              <a:buNone/>
+            </a:pPr>
+            <a:fld id="{00000000-1234-1234-1234-123412341234}" type="slidenum">
+              <a:rPr lang="en"/>
+              <a:t>4</a:t>
+            </a:fld>
+            <a:endParaRPr/>
+          </a:p>
+        </p:txBody>
+      </p:sp>
+    </p:spTree>
+  </p:cSld>
+  <p:clrMapOvr>
+    <a:masterClrMapping/>
+  </p:clrMapOvr>
+  <p:timing>
+    <p:tnLst>
+      <p:par>
+        <p:cTn id="1" dur="indefinite" restart="never" nodeType="tmRoot"/>
+      </p:par>
+    </p:tnLst>
+  </p:timing>
 </p:sld>
 </file>
 
@@ -8261,23 +6746,22 @@
   <p:clrMapOvr>
     <a:masterClrMapping/>
   </p:clrMapOvr>
+  <p:timing>
+    <p:tnLst>
+      <p:par>
+        <p:cTn id="1" dur="indefinite" restart="never" nodeType="tmRoot"/>
+      </p:par>
+    </p:tnLst>
+  </p:timing>
 </p:sld>
 </file>
 
 <file path=ppt/slides/slide6.xml><?xml version="1.0" encoding="utf-8"?>
 <p:sld xmlns:a="http://schemas.openxmlformats.org/drawingml/2006/main" xmlns:r="http://schemas.openxmlformats.org/officeDocument/2006/relationships" xmlns:p="http://schemas.openxmlformats.org/presentationml/2006/main">
   <p:cSld>
-    <p:bg>
-      <p:bgPr>
-        <a:solidFill>
-          <a:srgbClr val="111111"/>
-        </a:solidFill>
-        <a:effectLst/>
-      </p:bgPr>
-    </p:bg>
     <p:spTree>
       <p:nvGrpSpPr>
-        <p:cNvPr id="1" name="Shape 115"/>
+        <p:cNvPr id="1" name="Shape 106"/>
         <p:cNvGrpSpPr/>
         <p:nvPr/>
       </p:nvGrpSpPr>
@@ -8291,109 +6775,7 @@
       </p:grpSpPr>
       <p:sp>
         <p:nvSpPr>
-          <p:cNvPr id="116" name="Google Shape;116;p20"/>
-          <p:cNvSpPr txBox="1">
-            <a:spLocks noGrp="1"/>
-          </p:cNvSpPr>
-          <p:nvPr>
-            <p:ph type="title"/>
-          </p:nvPr>
-        </p:nvSpPr>
-        <p:spPr>
-          <a:xfrm>
-            <a:off x="782850" y="205988"/>
-            <a:ext cx="7578300" cy="1158600"/>
-          </a:xfrm>
-          <a:prstGeom prst="rect">
-            <a:avLst/>
-          </a:prstGeom>
-        </p:spPr>
-        <p:txBody>
-          <a:bodyPr spcFirstLastPara="1" wrap="square" lIns="91425" tIns="91425" rIns="91425" bIns="91425" anchor="ctr" anchorCtr="0">
-            <a:noAutofit/>
-          </a:bodyPr>
-          <a:lstStyle/>
-          <a:p>
-            <a:pPr marL="0" lvl="0" indent="0" algn="ctr" rtl="0">
-              <a:spcBef>
-                <a:spcPts val="0"/>
-              </a:spcBef>
-              <a:spcAft>
-                <a:spcPts val="0"/>
-              </a:spcAft>
-              <a:buNone/>
-            </a:pPr>
-            <a:r>
-              <a:rPr lang="en" sz="2400" dirty="0">
-                <a:latin typeface="Lucida Handwriting" pitchFamily="66" charset="0"/>
-              </a:rPr>
-              <a:t>DESAFIOS enfrentados</a:t>
-            </a:r>
-            <a:endParaRPr sz="2400" dirty="0">
-              <a:latin typeface="Lucida Handwriting" pitchFamily="66" charset="0"/>
-            </a:endParaRPr>
-          </a:p>
-        </p:txBody>
-      </p:sp>
-      <p:sp>
-        <p:nvSpPr>
-          <p:cNvPr id="117" name="Google Shape;117;p20"/>
-          <p:cNvSpPr txBox="1">
-            <a:spLocks noGrp="1"/>
-          </p:cNvSpPr>
-          <p:nvPr>
-            <p:ph type="body" idx="1"/>
-          </p:nvPr>
-        </p:nvSpPr>
-        <p:spPr>
-          <a:xfrm>
-            <a:off x="1011450" y="1479050"/>
-            <a:ext cx="3301200" cy="2352000"/>
-          </a:xfrm>
-          <a:prstGeom prst="rect">
-            <a:avLst/>
-          </a:prstGeom>
-        </p:spPr>
-        <p:txBody>
-          <a:bodyPr spcFirstLastPara="1" wrap="square" lIns="91425" tIns="91425" rIns="91425" bIns="91425" anchor="t" anchorCtr="0">
-            <a:noAutofit/>
-          </a:bodyPr>
-          <a:lstStyle/>
-          <a:p>
-            <a:pPr marL="342900" indent="-342900" algn="r"/>
-            <a:r>
-              <a:rPr lang="en" sz="2000" dirty="0"/>
-              <a:t>Insegurança</a:t>
-            </a:r>
-          </a:p>
-          <a:p>
-            <a:pPr marL="342900" indent="-342900" algn="r"/>
-            <a:endParaRPr lang="en" sz="2000" dirty="0"/>
-          </a:p>
-          <a:p>
-            <a:pPr marL="342900" indent="-342900" algn="r"/>
-            <a:r>
-              <a:rPr lang="en" sz="2000" dirty="0"/>
-              <a:t>Crenças negativas</a:t>
-            </a:r>
-          </a:p>
-          <a:p>
-            <a:pPr marL="342900" indent="-342900" algn="r"/>
-            <a:endParaRPr lang="en" sz="2000" dirty="0"/>
-          </a:p>
-          <a:p>
-            <a:pPr marL="342900" indent="-342900" algn="r"/>
-            <a:r>
-              <a:rPr lang="en" sz="2000" dirty="0"/>
-              <a:t>Dificuldade em Design</a:t>
-            </a:r>
-            <a:endParaRPr sz="2000" dirty="0"/>
-          </a:p>
-        </p:txBody>
-      </p:sp>
-      <p:sp>
-        <p:nvSpPr>
-          <p:cNvPr id="119" name="Google Shape;119;p20"/>
+          <p:cNvPr id="111" name="Google Shape;111;p19"/>
           <p:cNvSpPr txBox="1">
             <a:spLocks noGrp="1"/>
           </p:cNvSpPr>
@@ -8433,41 +6815,359 @@
           </a:p>
         </p:txBody>
       </p:sp>
-      <p:pic>
-        <p:nvPicPr>
-          <p:cNvPr id="3" name="Imagem 2">
-            <a:extLst>
-              <a:ext uri="{FF2B5EF4-FFF2-40B4-BE49-F238E27FC236}">
-                <a16:creationId xmlns:a16="http://schemas.microsoft.com/office/drawing/2014/main" id="{12FC7A1E-99EA-49E0-8BCE-4BAAEC5AFCD5}"/>
-              </a:ext>
-            </a:extLst>
-          </p:cNvPr>
-          <p:cNvPicPr>
-            <a:picLocks noChangeAspect="1"/>
-          </p:cNvPicPr>
-          <p:nvPr/>
-        </p:nvPicPr>
-        <p:blipFill>
-          <a:blip r:embed="rId3"/>
-          <a:stretch>
-            <a:fillRect/>
-          </a:stretch>
-        </p:blipFill>
+      <p:sp>
+        <p:nvSpPr>
+          <p:cNvPr id="5" name="Google Shape;117;p20"/>
+          <p:cNvSpPr txBox="1">
+            <a:spLocks noGrp="1"/>
+          </p:cNvSpPr>
+          <p:nvPr>
+            <p:ph type="body" idx="1"/>
+          </p:nvPr>
+        </p:nvSpPr>
         <p:spPr>
           <a:xfrm>
-            <a:off x="4499992" y="1567305"/>
-            <a:ext cx="3744415" cy="2175489"/>
+            <a:off x="2483768" y="1563638"/>
+            <a:ext cx="3301200" cy="2352000"/>
           </a:xfrm>
           <a:prstGeom prst="rect">
             <a:avLst/>
           </a:prstGeom>
         </p:spPr>
-      </p:pic>
+        <p:txBody>
+          <a:bodyPr spcFirstLastPara="1" wrap="square" lIns="91425" tIns="91425" rIns="91425" bIns="91425" anchor="t" anchorCtr="0">
+            <a:noAutofit/>
+          </a:bodyPr>
+          <a:lstStyle/>
+          <a:p>
+            <a:pPr marL="342900" indent="-342900" algn="ctr"/>
+            <a:r>
+              <a:rPr lang="en" sz="2000" dirty="0"/>
+              <a:t>Insegurança</a:t>
+            </a:r>
+          </a:p>
+          <a:p>
+            <a:pPr marL="342900" indent="-342900"/>
+            <a:endParaRPr lang="en" sz="2000" dirty="0"/>
+          </a:p>
+          <a:p>
+            <a:pPr marL="342900" indent="-342900" algn="ctr"/>
+            <a:r>
+              <a:rPr lang="en" sz="2000" dirty="0"/>
+              <a:t>Crenças negativas</a:t>
+            </a:r>
+          </a:p>
+          <a:p>
+            <a:pPr marL="342900" indent="-342900"/>
+            <a:endParaRPr lang="en" sz="2000" dirty="0"/>
+          </a:p>
+          <a:p>
+            <a:pPr marL="342900" indent="-342900"/>
+            <a:r>
+              <a:rPr lang="en" sz="2000" dirty="0"/>
+              <a:t>Dificuldade em Design</a:t>
+            </a:r>
+            <a:endParaRPr sz="2000" dirty="0"/>
+          </a:p>
+        </p:txBody>
+      </p:sp>
+      <p:sp>
+        <p:nvSpPr>
+          <p:cNvPr id="8" name="Google Shape;116;p20"/>
+          <p:cNvSpPr txBox="1">
+            <a:spLocks/>
+          </p:cNvSpPr>
+          <p:nvPr/>
+        </p:nvSpPr>
+        <p:spPr>
+          <a:xfrm>
+            <a:off x="539552" y="339502"/>
+            <a:ext cx="7578300" cy="1158600"/>
+          </a:xfrm>
+          <a:prstGeom prst="rect">
+            <a:avLst/>
+          </a:prstGeom>
+          <a:noFill/>
+          <a:ln>
+            <a:noFill/>
+          </a:ln>
+        </p:spPr>
+        <p:txBody>
+          <a:bodyPr spcFirstLastPara="1" wrap="square" lIns="91425" tIns="91425" rIns="91425" bIns="91425" anchor="ctr" anchorCtr="0">
+            <a:noAutofit/>
+          </a:bodyPr>
+          <a:lstStyle>
+            <a:defPPr marR="0" lvl="0" algn="l" rtl="0">
+              <a:lnSpc>
+                <a:spcPct val="100000"/>
+              </a:lnSpc>
+              <a:spcBef>
+                <a:spcPts val="0"/>
+              </a:spcBef>
+              <a:spcAft>
+                <a:spcPts val="0"/>
+              </a:spcAft>
+            </a:defPPr>
+            <a:lvl1pPr marR="0" lvl="0" algn="ctr" rtl="0">
+              <a:lnSpc>
+                <a:spcPct val="100000"/>
+              </a:lnSpc>
+              <a:spcBef>
+                <a:spcPts val="0"/>
+              </a:spcBef>
+              <a:spcAft>
+                <a:spcPts val="0"/>
+              </a:spcAft>
+              <a:buClr>
+                <a:schemeClr val="lt1"/>
+              </a:buClr>
+              <a:buSzPts val="1400"/>
+              <a:buFont typeface="Homemade Apple"/>
+              <a:buNone/>
+              <a:defRPr sz="1400" b="0" i="0" u="none" strike="noStrike" cap="none">
+                <a:solidFill>
+                  <a:schemeClr val="lt1"/>
+                </a:solidFill>
+                <a:latin typeface="Homemade Apple"/>
+                <a:ea typeface="Homemade Apple"/>
+                <a:cs typeface="Homemade Apple"/>
+                <a:sym typeface="Homemade Apple"/>
+              </a:defRPr>
+            </a:lvl1pPr>
+            <a:lvl2pPr marR="0" lvl="1" algn="ctr" rtl="0">
+              <a:lnSpc>
+                <a:spcPct val="100000"/>
+              </a:lnSpc>
+              <a:spcBef>
+                <a:spcPts val="0"/>
+              </a:spcBef>
+              <a:spcAft>
+                <a:spcPts val="0"/>
+              </a:spcAft>
+              <a:buClr>
+                <a:schemeClr val="lt1"/>
+              </a:buClr>
+              <a:buSzPts val="1400"/>
+              <a:buFont typeface="Homemade Apple"/>
+              <a:buNone/>
+              <a:defRPr sz="1400" b="0" i="0" u="none" strike="noStrike" cap="none">
+                <a:solidFill>
+                  <a:schemeClr val="lt1"/>
+                </a:solidFill>
+                <a:latin typeface="Homemade Apple"/>
+                <a:ea typeface="Homemade Apple"/>
+                <a:cs typeface="Homemade Apple"/>
+                <a:sym typeface="Homemade Apple"/>
+              </a:defRPr>
+            </a:lvl2pPr>
+            <a:lvl3pPr marR="0" lvl="2" algn="ctr" rtl="0">
+              <a:lnSpc>
+                <a:spcPct val="100000"/>
+              </a:lnSpc>
+              <a:spcBef>
+                <a:spcPts val="0"/>
+              </a:spcBef>
+              <a:spcAft>
+                <a:spcPts val="0"/>
+              </a:spcAft>
+              <a:buClr>
+                <a:schemeClr val="lt1"/>
+              </a:buClr>
+              <a:buSzPts val="1400"/>
+              <a:buFont typeface="Homemade Apple"/>
+              <a:buNone/>
+              <a:defRPr sz="1400" b="0" i="0" u="none" strike="noStrike" cap="none">
+                <a:solidFill>
+                  <a:schemeClr val="lt1"/>
+                </a:solidFill>
+                <a:latin typeface="Homemade Apple"/>
+                <a:ea typeface="Homemade Apple"/>
+                <a:cs typeface="Homemade Apple"/>
+                <a:sym typeface="Homemade Apple"/>
+              </a:defRPr>
+            </a:lvl3pPr>
+            <a:lvl4pPr marR="0" lvl="3" algn="ctr" rtl="0">
+              <a:lnSpc>
+                <a:spcPct val="100000"/>
+              </a:lnSpc>
+              <a:spcBef>
+                <a:spcPts val="0"/>
+              </a:spcBef>
+              <a:spcAft>
+                <a:spcPts val="0"/>
+              </a:spcAft>
+              <a:buClr>
+                <a:schemeClr val="lt1"/>
+              </a:buClr>
+              <a:buSzPts val="1400"/>
+              <a:buFont typeface="Homemade Apple"/>
+              <a:buNone/>
+              <a:defRPr sz="1400" b="0" i="0" u="none" strike="noStrike" cap="none">
+                <a:solidFill>
+                  <a:schemeClr val="lt1"/>
+                </a:solidFill>
+                <a:latin typeface="Homemade Apple"/>
+                <a:ea typeface="Homemade Apple"/>
+                <a:cs typeface="Homemade Apple"/>
+                <a:sym typeface="Homemade Apple"/>
+              </a:defRPr>
+            </a:lvl4pPr>
+            <a:lvl5pPr marR="0" lvl="4" algn="ctr" rtl="0">
+              <a:lnSpc>
+                <a:spcPct val="100000"/>
+              </a:lnSpc>
+              <a:spcBef>
+                <a:spcPts val="0"/>
+              </a:spcBef>
+              <a:spcAft>
+                <a:spcPts val="0"/>
+              </a:spcAft>
+              <a:buClr>
+                <a:schemeClr val="lt1"/>
+              </a:buClr>
+              <a:buSzPts val="1400"/>
+              <a:buFont typeface="Homemade Apple"/>
+              <a:buNone/>
+              <a:defRPr sz="1400" b="0" i="0" u="none" strike="noStrike" cap="none">
+                <a:solidFill>
+                  <a:schemeClr val="lt1"/>
+                </a:solidFill>
+                <a:latin typeface="Homemade Apple"/>
+                <a:ea typeface="Homemade Apple"/>
+                <a:cs typeface="Homemade Apple"/>
+                <a:sym typeface="Homemade Apple"/>
+              </a:defRPr>
+            </a:lvl5pPr>
+            <a:lvl6pPr marR="0" lvl="5" algn="ctr" rtl="0">
+              <a:lnSpc>
+                <a:spcPct val="100000"/>
+              </a:lnSpc>
+              <a:spcBef>
+                <a:spcPts val="0"/>
+              </a:spcBef>
+              <a:spcAft>
+                <a:spcPts val="0"/>
+              </a:spcAft>
+              <a:buClr>
+                <a:schemeClr val="lt1"/>
+              </a:buClr>
+              <a:buSzPts val="1400"/>
+              <a:buFont typeface="Homemade Apple"/>
+              <a:buNone/>
+              <a:defRPr sz="1400" b="0" i="0" u="none" strike="noStrike" cap="none">
+                <a:solidFill>
+                  <a:schemeClr val="lt1"/>
+                </a:solidFill>
+                <a:latin typeface="Homemade Apple"/>
+                <a:ea typeface="Homemade Apple"/>
+                <a:cs typeface="Homemade Apple"/>
+                <a:sym typeface="Homemade Apple"/>
+              </a:defRPr>
+            </a:lvl6pPr>
+            <a:lvl7pPr marR="0" lvl="6" algn="ctr" rtl="0">
+              <a:lnSpc>
+                <a:spcPct val="100000"/>
+              </a:lnSpc>
+              <a:spcBef>
+                <a:spcPts val="0"/>
+              </a:spcBef>
+              <a:spcAft>
+                <a:spcPts val="0"/>
+              </a:spcAft>
+              <a:buClr>
+                <a:schemeClr val="lt1"/>
+              </a:buClr>
+              <a:buSzPts val="1400"/>
+              <a:buFont typeface="Homemade Apple"/>
+              <a:buNone/>
+              <a:defRPr sz="1400" b="0" i="0" u="none" strike="noStrike" cap="none">
+                <a:solidFill>
+                  <a:schemeClr val="lt1"/>
+                </a:solidFill>
+                <a:latin typeface="Homemade Apple"/>
+                <a:ea typeface="Homemade Apple"/>
+                <a:cs typeface="Homemade Apple"/>
+                <a:sym typeface="Homemade Apple"/>
+              </a:defRPr>
+            </a:lvl7pPr>
+            <a:lvl8pPr marR="0" lvl="7" algn="ctr" rtl="0">
+              <a:lnSpc>
+                <a:spcPct val="100000"/>
+              </a:lnSpc>
+              <a:spcBef>
+                <a:spcPts val="0"/>
+              </a:spcBef>
+              <a:spcAft>
+                <a:spcPts val="0"/>
+              </a:spcAft>
+              <a:buClr>
+                <a:schemeClr val="lt1"/>
+              </a:buClr>
+              <a:buSzPts val="1400"/>
+              <a:buFont typeface="Homemade Apple"/>
+              <a:buNone/>
+              <a:defRPr sz="1400" b="0" i="0" u="none" strike="noStrike" cap="none">
+                <a:solidFill>
+                  <a:schemeClr val="lt1"/>
+                </a:solidFill>
+                <a:latin typeface="Homemade Apple"/>
+                <a:ea typeface="Homemade Apple"/>
+                <a:cs typeface="Homemade Apple"/>
+                <a:sym typeface="Homemade Apple"/>
+              </a:defRPr>
+            </a:lvl8pPr>
+            <a:lvl9pPr marR="0" lvl="8" algn="ctr" rtl="0">
+              <a:lnSpc>
+                <a:spcPct val="100000"/>
+              </a:lnSpc>
+              <a:spcBef>
+                <a:spcPts val="0"/>
+              </a:spcBef>
+              <a:spcAft>
+                <a:spcPts val="0"/>
+              </a:spcAft>
+              <a:buClr>
+                <a:schemeClr val="lt1"/>
+              </a:buClr>
+              <a:buSzPts val="1400"/>
+              <a:buFont typeface="Homemade Apple"/>
+              <a:buNone/>
+              <a:defRPr sz="1400" b="0" i="0" u="none" strike="noStrike" cap="none">
+                <a:solidFill>
+                  <a:schemeClr val="lt1"/>
+                </a:solidFill>
+                <a:latin typeface="Homemade Apple"/>
+                <a:ea typeface="Homemade Apple"/>
+                <a:cs typeface="Homemade Apple"/>
+                <a:sym typeface="Homemade Apple"/>
+              </a:defRPr>
+            </a:lvl9pPr>
+          </a:lstStyle>
+          <a:p>
+            <a:r>
+              <a:rPr lang="pt-BR" sz="2400" dirty="0" smtClean="0">
+                <a:latin typeface="Lucida Handwriting" pitchFamily="66" charset="0"/>
+              </a:rPr>
+              <a:t>DESAFIOS enfrentados</a:t>
+            </a:r>
+            <a:endParaRPr lang="pt-BR" sz="2400" dirty="0">
+              <a:latin typeface="Lucida Handwriting" pitchFamily="66" charset="0"/>
+            </a:endParaRPr>
+          </a:p>
+        </p:txBody>
+      </p:sp>
     </p:spTree>
   </p:cSld>
   <p:clrMapOvr>
     <a:masterClrMapping/>
   </p:clrMapOvr>
+  <p:timing>
+    <p:tnLst>
+      <p:par>
+        <p:cTn id="1" dur="indefinite" restart="never" nodeType="tmRoot"/>
+      </p:par>
+    </p:tnLst>
+  </p:timing>
 </p:sld>
 </file>
 
@@ -8546,8 +7246,8 @@
         </p:nvSpPr>
         <p:spPr>
           <a:xfrm>
-            <a:off x="2771800" y="1275606"/>
-            <a:ext cx="3418500" cy="2806518"/>
+            <a:off x="1979712" y="1364588"/>
+            <a:ext cx="4968552" cy="2806518"/>
           </a:xfrm>
           <a:prstGeom prst="rect">
             <a:avLst/>
@@ -8633,174 +7333,17 @@
   <p:clrMapOvr>
     <a:masterClrMapping/>
   </p:clrMapOvr>
+  <p:timing>
+    <p:tnLst>
+      <p:par>
+        <p:cTn id="1" dur="indefinite" restart="never" nodeType="tmRoot"/>
+      </p:par>
+    </p:tnLst>
+  </p:timing>
 </p:sld>
 </file>
 
 <file path=ppt/slides/slide8.xml><?xml version="1.0" encoding="utf-8"?>
-<p:sld xmlns:a="http://schemas.openxmlformats.org/drawingml/2006/main" xmlns:r="http://schemas.openxmlformats.org/officeDocument/2006/relationships" xmlns:p="http://schemas.openxmlformats.org/presentationml/2006/main">
-  <p:cSld>
-    <p:spTree>
-      <p:nvGrpSpPr>
-        <p:cNvPr id="1" name="Shape 106"/>
-        <p:cNvGrpSpPr/>
-        <p:nvPr/>
-      </p:nvGrpSpPr>
-      <p:grpSpPr>
-        <a:xfrm>
-          <a:off x="0" y="0"/>
-          <a:ext cx="0" cy="0"/>
-          <a:chOff x="0" y="0"/>
-          <a:chExt cx="0" cy="0"/>
-        </a:xfrm>
-      </p:grpSpPr>
-      <p:sp>
-        <p:nvSpPr>
-          <p:cNvPr id="107" name="Google Shape;107;p19"/>
-          <p:cNvSpPr txBox="1">
-            <a:spLocks noGrp="1"/>
-          </p:cNvSpPr>
-          <p:nvPr>
-            <p:ph type="title"/>
-          </p:nvPr>
-        </p:nvSpPr>
-        <p:spPr>
-          <a:xfrm>
-            <a:off x="683568" y="250762"/>
-            <a:ext cx="7578300" cy="1158600"/>
-          </a:xfrm>
-          <a:prstGeom prst="rect">
-            <a:avLst/>
-          </a:prstGeom>
-        </p:spPr>
-        <p:txBody>
-          <a:bodyPr spcFirstLastPara="1" wrap="square" lIns="91425" tIns="91425" rIns="91425" bIns="91425" anchor="ctr" anchorCtr="0">
-            <a:noAutofit/>
-          </a:bodyPr>
-          <a:lstStyle/>
-          <a:p>
-            <a:pPr marL="0" lvl="0" indent="0" algn="ctr" rtl="0">
-              <a:spcBef>
-                <a:spcPts val="0"/>
-              </a:spcBef>
-              <a:spcAft>
-                <a:spcPts val="0"/>
-              </a:spcAft>
-              <a:buNone/>
-            </a:pPr>
-            <a:r>
-              <a:rPr lang="en" sz="4400" dirty="0"/>
-              <a:t>Valores </a:t>
-            </a:r>
-            <a:endParaRPr sz="4400" dirty="0"/>
-          </a:p>
-        </p:txBody>
-      </p:sp>
-      <p:sp>
-        <p:nvSpPr>
-          <p:cNvPr id="109" name="Google Shape;109;p19"/>
-          <p:cNvSpPr txBox="1">
-            <a:spLocks noGrp="1"/>
-          </p:cNvSpPr>
-          <p:nvPr>
-            <p:ph type="body" idx="2"/>
-          </p:nvPr>
-        </p:nvSpPr>
-        <p:spPr>
-          <a:xfrm>
-            <a:off x="1619672" y="1409362"/>
-            <a:ext cx="3384376" cy="3063600"/>
-          </a:xfrm>
-          <a:prstGeom prst="rect">
-            <a:avLst/>
-          </a:prstGeom>
-        </p:spPr>
-        <p:txBody>
-          <a:bodyPr spcFirstLastPara="1" wrap="square" lIns="91425" tIns="91425" rIns="91425" bIns="91425" anchor="t" anchorCtr="0">
-            <a:noAutofit/>
-          </a:bodyPr>
-          <a:lstStyle/>
-          <a:p>
-            <a:pPr marL="285750" indent="-285750"/>
-            <a:r>
-              <a:rPr lang="pt-BR" b="1" dirty="0"/>
-              <a:t>Persistência</a:t>
-            </a:r>
-          </a:p>
-          <a:p>
-            <a:pPr marL="285750" indent="-285750"/>
-            <a:endParaRPr lang="pt-BR" b="1" dirty="0"/>
-          </a:p>
-          <a:p>
-            <a:pPr marL="285750" indent="-285750"/>
-            <a:r>
-              <a:rPr lang="pt-BR" b="1" dirty="0"/>
-              <a:t>Felicidade</a:t>
-            </a:r>
-          </a:p>
-          <a:p>
-            <a:pPr marL="285750" indent="-285750"/>
-            <a:endParaRPr lang="pt-BR" b="1" dirty="0"/>
-          </a:p>
-          <a:p>
-            <a:pPr marL="285750" indent="-285750"/>
-            <a:r>
-              <a:rPr lang="pt-BR" b="1" dirty="0"/>
-              <a:t>Empatia</a:t>
-            </a:r>
-          </a:p>
-        </p:txBody>
-      </p:sp>
-      <p:sp>
-        <p:nvSpPr>
-          <p:cNvPr id="111" name="Google Shape;111;p19"/>
-          <p:cNvSpPr txBox="1">
-            <a:spLocks noGrp="1"/>
-          </p:cNvSpPr>
-          <p:nvPr>
-            <p:ph type="sldNum" idx="12"/>
-          </p:nvPr>
-        </p:nvSpPr>
-        <p:spPr>
-          <a:xfrm>
-            <a:off x="-125" y="4903155"/>
-            <a:ext cx="9144000" cy="214500"/>
-          </a:xfrm>
-          <a:prstGeom prst="rect">
-            <a:avLst/>
-          </a:prstGeom>
-        </p:spPr>
-        <p:txBody>
-          <a:bodyPr spcFirstLastPara="1" wrap="square" lIns="91425" tIns="91425" rIns="91425" bIns="91425" anchor="t" anchorCtr="0">
-            <a:noAutofit/>
-          </a:bodyPr>
-          <a:lstStyle/>
-          <a:p>
-            <a:pPr marL="0" lvl="0" indent="0" algn="ctr" rtl="0">
-              <a:spcBef>
-                <a:spcPts val="0"/>
-              </a:spcBef>
-              <a:spcAft>
-                <a:spcPts val="0"/>
-              </a:spcAft>
-              <a:buNone/>
-            </a:pPr>
-            <a:fld id="{00000000-1234-1234-1234-123412341234}" type="slidenum">
-              <a:rPr lang="en"/>
-              <a:t>8</a:t>
-            </a:fld>
-            <a:endParaRPr/>
-          </a:p>
-        </p:txBody>
-      </p:sp>
-    </p:spTree>
-  </p:cSld>
-  <p:clrMapOvr>
-    <a:masterClrMapping/>
-  </p:clrMapOvr>
-</p:sld>
-</file>
-
-<file path=ppt/slides/slide9.xml><?xml version="1.0" encoding="utf-8"?>
 <p:sld xmlns:a="http://schemas.openxmlformats.org/drawingml/2006/main" xmlns:r="http://schemas.openxmlformats.org/officeDocument/2006/relationships" xmlns:p="http://schemas.openxmlformats.org/presentationml/2006/main">
   <p:cSld>
     <p:spTree>
@@ -8829,7 +7372,7 @@
         </p:nvSpPr>
         <p:spPr>
           <a:xfrm>
-            <a:off x="683568" y="411510"/>
+            <a:off x="599120" y="227861"/>
             <a:ext cx="7772400" cy="1159800"/>
           </a:xfrm>
           <a:prstGeom prst="rect">
@@ -8852,10 +7395,10 @@
               <a:buNone/>
             </a:pPr>
             <a:r>
-              <a:rPr lang="en" sz="6000" dirty="0"/>
+              <a:rPr lang="en" sz="5500" dirty="0"/>
               <a:t>Agradecimentos</a:t>
             </a:r>
-            <a:endParaRPr sz="6000" dirty="0"/>
+            <a:endParaRPr sz="5500" dirty="0"/>
           </a:p>
         </p:txBody>
       </p:sp>
@@ -8968,7 +7511,7 @@
             </a:pPr>
             <a:fld id="{00000000-1234-1234-1234-123412341234}" type="slidenum">
               <a:rPr lang="en"/>
-              <a:t>9</a:t>
+              <a:t>8</a:t>
             </a:fld>
             <a:endParaRPr/>
           </a:p>
@@ -9590,6 +8133,682 @@
   <p:clrMapOvr>
     <a:masterClrMapping/>
   </p:clrMapOvr>
+  <p:timing>
+    <p:tnLst>
+      <p:par>
+        <p:cTn id="1" dur="indefinite" restart="never" nodeType="tmRoot"/>
+      </p:par>
+    </p:tnLst>
+  </p:timing>
+</p:sld>
+</file>
+
+<file path=ppt/slides/slide9.xml><?xml version="1.0" encoding="utf-8"?>
+<p:sld xmlns:a="http://schemas.openxmlformats.org/drawingml/2006/main" xmlns:r="http://schemas.openxmlformats.org/officeDocument/2006/relationships" xmlns:p="http://schemas.openxmlformats.org/presentationml/2006/main">
+  <p:cSld>
+    <p:bg>
+      <p:bgPr>
+        <a:blipFill>
+          <a:blip r:embed="rId3">
+            <a:alphaModFix/>
+          </a:blip>
+          <a:stretch>
+            <a:fillRect/>
+          </a:stretch>
+        </a:blipFill>
+        <a:effectLst/>
+      </p:bgPr>
+    </p:bg>
+    <p:spTree>
+      <p:nvGrpSpPr>
+        <p:cNvPr id="1" name="Shape 61"/>
+        <p:cNvGrpSpPr/>
+        <p:nvPr/>
+      </p:nvGrpSpPr>
+      <p:grpSpPr>
+        <a:xfrm>
+          <a:off x="0" y="0"/>
+          <a:ext cx="0" cy="0"/>
+          <a:chOff x="0" y="0"/>
+          <a:chExt cx="0" cy="0"/>
+        </a:xfrm>
+      </p:grpSpPr>
+      <p:sp>
+        <p:nvSpPr>
+          <p:cNvPr id="65" name="Google Shape;65;p13"/>
+          <p:cNvSpPr txBox="1">
+            <a:spLocks noGrp="1"/>
+          </p:cNvSpPr>
+          <p:nvPr>
+            <p:ph type="sldNum" idx="12"/>
+          </p:nvPr>
+        </p:nvSpPr>
+        <p:spPr>
+          <a:xfrm>
+            <a:off x="-125" y="4903155"/>
+            <a:ext cx="9144000" cy="214500"/>
+          </a:xfrm>
+          <a:prstGeom prst="rect">
+            <a:avLst/>
+          </a:prstGeom>
+        </p:spPr>
+        <p:txBody>
+          <a:bodyPr spcFirstLastPara="1" wrap="square" lIns="91425" tIns="91425" rIns="91425" bIns="91425" anchor="t" anchorCtr="0">
+            <a:noAutofit/>
+          </a:bodyPr>
+          <a:lstStyle/>
+          <a:p>
+            <a:pPr marL="0" lvl="0" indent="0" algn="ctr" rtl="0">
+              <a:spcBef>
+                <a:spcPts val="0"/>
+              </a:spcBef>
+              <a:spcAft>
+                <a:spcPts val="0"/>
+              </a:spcAft>
+              <a:buNone/>
+            </a:pPr>
+            <a:fld id="{00000000-1234-1234-1234-123412341234}" type="slidenum">
+              <a:rPr lang="en"/>
+              <a:t>9</a:t>
+            </a:fld>
+            <a:endParaRPr/>
+          </a:p>
+        </p:txBody>
+      </p:sp>
+      <p:sp>
+        <p:nvSpPr>
+          <p:cNvPr id="6" name="Google Shape;267;p33">
+            <a:extLst>
+              <a:ext uri="{FF2B5EF4-FFF2-40B4-BE49-F238E27FC236}">
+                <a16:creationId xmlns:a16="http://schemas.microsoft.com/office/drawing/2014/main" id="{FBCAC0E3-5DD9-4FD8-867E-3C477A59F60D}"/>
+              </a:ext>
+            </a:extLst>
+          </p:cNvPr>
+          <p:cNvSpPr txBox="1">
+            <a:spLocks/>
+          </p:cNvSpPr>
+          <p:nvPr/>
+        </p:nvSpPr>
+        <p:spPr>
+          <a:xfrm>
+            <a:off x="3059832" y="2348438"/>
+            <a:ext cx="7772400" cy="1159800"/>
+          </a:xfrm>
+          <a:prstGeom prst="rect">
+            <a:avLst/>
+          </a:prstGeom>
+          <a:noFill/>
+          <a:ln>
+            <a:noFill/>
+          </a:ln>
+        </p:spPr>
+        <p:txBody>
+          <a:bodyPr spcFirstLastPara="1" wrap="square" lIns="91425" tIns="91425" rIns="91425" bIns="91425" anchor="ctr" anchorCtr="0">
+            <a:noAutofit/>
+          </a:bodyPr>
+          <a:lstStyle>
+            <a:defPPr marR="0" lvl="0" algn="l" rtl="0">
+              <a:lnSpc>
+                <a:spcPct val="100000"/>
+              </a:lnSpc>
+              <a:spcBef>
+                <a:spcPts val="0"/>
+              </a:spcBef>
+              <a:spcAft>
+                <a:spcPts val="0"/>
+              </a:spcAft>
+            </a:defPPr>
+            <a:lvl1pPr marR="0" lvl="0" algn="ctr" rtl="0">
+              <a:lnSpc>
+                <a:spcPct val="100000"/>
+              </a:lnSpc>
+              <a:spcBef>
+                <a:spcPts val="0"/>
+              </a:spcBef>
+              <a:spcAft>
+                <a:spcPts val="0"/>
+              </a:spcAft>
+              <a:buClr>
+                <a:schemeClr val="lt1"/>
+              </a:buClr>
+              <a:buSzPts val="1400"/>
+              <a:buFont typeface="Homemade Apple"/>
+              <a:buNone/>
+              <a:defRPr sz="1400" b="0" i="0" u="none" strike="noStrike" cap="none">
+                <a:solidFill>
+                  <a:schemeClr val="lt1"/>
+                </a:solidFill>
+                <a:latin typeface="Homemade Apple"/>
+                <a:ea typeface="Homemade Apple"/>
+                <a:cs typeface="Homemade Apple"/>
+                <a:sym typeface="Homemade Apple"/>
+              </a:defRPr>
+            </a:lvl1pPr>
+            <a:lvl2pPr marR="0" lvl="1" algn="ctr" rtl="0">
+              <a:lnSpc>
+                <a:spcPct val="100000"/>
+              </a:lnSpc>
+              <a:spcBef>
+                <a:spcPts val="0"/>
+              </a:spcBef>
+              <a:spcAft>
+                <a:spcPts val="0"/>
+              </a:spcAft>
+              <a:buClr>
+                <a:schemeClr val="lt1"/>
+              </a:buClr>
+              <a:buSzPts val="1400"/>
+              <a:buFont typeface="Homemade Apple"/>
+              <a:buNone/>
+              <a:defRPr sz="1400" b="0" i="0" u="none" strike="noStrike" cap="none">
+                <a:solidFill>
+                  <a:schemeClr val="lt1"/>
+                </a:solidFill>
+                <a:latin typeface="Homemade Apple"/>
+                <a:ea typeface="Homemade Apple"/>
+                <a:cs typeface="Homemade Apple"/>
+                <a:sym typeface="Homemade Apple"/>
+              </a:defRPr>
+            </a:lvl2pPr>
+            <a:lvl3pPr marR="0" lvl="2" algn="ctr" rtl="0">
+              <a:lnSpc>
+                <a:spcPct val="100000"/>
+              </a:lnSpc>
+              <a:spcBef>
+                <a:spcPts val="0"/>
+              </a:spcBef>
+              <a:spcAft>
+                <a:spcPts val="0"/>
+              </a:spcAft>
+              <a:buClr>
+                <a:schemeClr val="lt1"/>
+              </a:buClr>
+              <a:buSzPts val="1400"/>
+              <a:buFont typeface="Homemade Apple"/>
+              <a:buNone/>
+              <a:defRPr sz="1400" b="0" i="0" u="none" strike="noStrike" cap="none">
+                <a:solidFill>
+                  <a:schemeClr val="lt1"/>
+                </a:solidFill>
+                <a:latin typeface="Homemade Apple"/>
+                <a:ea typeface="Homemade Apple"/>
+                <a:cs typeface="Homemade Apple"/>
+                <a:sym typeface="Homemade Apple"/>
+              </a:defRPr>
+            </a:lvl3pPr>
+            <a:lvl4pPr marR="0" lvl="3" algn="ctr" rtl="0">
+              <a:lnSpc>
+                <a:spcPct val="100000"/>
+              </a:lnSpc>
+              <a:spcBef>
+                <a:spcPts val="0"/>
+              </a:spcBef>
+              <a:spcAft>
+                <a:spcPts val="0"/>
+              </a:spcAft>
+              <a:buClr>
+                <a:schemeClr val="lt1"/>
+              </a:buClr>
+              <a:buSzPts val="1400"/>
+              <a:buFont typeface="Homemade Apple"/>
+              <a:buNone/>
+              <a:defRPr sz="1400" b="0" i="0" u="none" strike="noStrike" cap="none">
+                <a:solidFill>
+                  <a:schemeClr val="lt1"/>
+                </a:solidFill>
+                <a:latin typeface="Homemade Apple"/>
+                <a:ea typeface="Homemade Apple"/>
+                <a:cs typeface="Homemade Apple"/>
+                <a:sym typeface="Homemade Apple"/>
+              </a:defRPr>
+            </a:lvl4pPr>
+            <a:lvl5pPr marR="0" lvl="4" algn="ctr" rtl="0">
+              <a:lnSpc>
+                <a:spcPct val="100000"/>
+              </a:lnSpc>
+              <a:spcBef>
+                <a:spcPts val="0"/>
+              </a:spcBef>
+              <a:spcAft>
+                <a:spcPts val="0"/>
+              </a:spcAft>
+              <a:buClr>
+                <a:schemeClr val="lt1"/>
+              </a:buClr>
+              <a:buSzPts val="1400"/>
+              <a:buFont typeface="Homemade Apple"/>
+              <a:buNone/>
+              <a:defRPr sz="1400" b="0" i="0" u="none" strike="noStrike" cap="none">
+                <a:solidFill>
+                  <a:schemeClr val="lt1"/>
+                </a:solidFill>
+                <a:latin typeface="Homemade Apple"/>
+                <a:ea typeface="Homemade Apple"/>
+                <a:cs typeface="Homemade Apple"/>
+                <a:sym typeface="Homemade Apple"/>
+              </a:defRPr>
+            </a:lvl5pPr>
+            <a:lvl6pPr marR="0" lvl="5" algn="ctr" rtl="0">
+              <a:lnSpc>
+                <a:spcPct val="100000"/>
+              </a:lnSpc>
+              <a:spcBef>
+                <a:spcPts val="0"/>
+              </a:spcBef>
+              <a:spcAft>
+                <a:spcPts val="0"/>
+              </a:spcAft>
+              <a:buClr>
+                <a:schemeClr val="lt1"/>
+              </a:buClr>
+              <a:buSzPts val="1400"/>
+              <a:buFont typeface="Homemade Apple"/>
+              <a:buNone/>
+              <a:defRPr sz="1400" b="0" i="0" u="none" strike="noStrike" cap="none">
+                <a:solidFill>
+                  <a:schemeClr val="lt1"/>
+                </a:solidFill>
+                <a:latin typeface="Homemade Apple"/>
+                <a:ea typeface="Homemade Apple"/>
+                <a:cs typeface="Homemade Apple"/>
+                <a:sym typeface="Homemade Apple"/>
+              </a:defRPr>
+            </a:lvl6pPr>
+            <a:lvl7pPr marR="0" lvl="6" algn="ctr" rtl="0">
+              <a:lnSpc>
+                <a:spcPct val="100000"/>
+              </a:lnSpc>
+              <a:spcBef>
+                <a:spcPts val="0"/>
+              </a:spcBef>
+              <a:spcAft>
+                <a:spcPts val="0"/>
+              </a:spcAft>
+              <a:buClr>
+                <a:schemeClr val="lt1"/>
+              </a:buClr>
+              <a:buSzPts val="1400"/>
+              <a:buFont typeface="Homemade Apple"/>
+              <a:buNone/>
+              <a:defRPr sz="1400" b="0" i="0" u="none" strike="noStrike" cap="none">
+                <a:solidFill>
+                  <a:schemeClr val="lt1"/>
+                </a:solidFill>
+                <a:latin typeface="Homemade Apple"/>
+                <a:ea typeface="Homemade Apple"/>
+                <a:cs typeface="Homemade Apple"/>
+                <a:sym typeface="Homemade Apple"/>
+              </a:defRPr>
+            </a:lvl7pPr>
+            <a:lvl8pPr marR="0" lvl="7" algn="ctr" rtl="0">
+              <a:lnSpc>
+                <a:spcPct val="100000"/>
+              </a:lnSpc>
+              <a:spcBef>
+                <a:spcPts val="0"/>
+              </a:spcBef>
+              <a:spcAft>
+                <a:spcPts val="0"/>
+              </a:spcAft>
+              <a:buClr>
+                <a:schemeClr val="lt1"/>
+              </a:buClr>
+              <a:buSzPts val="1400"/>
+              <a:buFont typeface="Homemade Apple"/>
+              <a:buNone/>
+              <a:defRPr sz="1400" b="0" i="0" u="none" strike="noStrike" cap="none">
+                <a:solidFill>
+                  <a:schemeClr val="lt1"/>
+                </a:solidFill>
+                <a:latin typeface="Homemade Apple"/>
+                <a:ea typeface="Homemade Apple"/>
+                <a:cs typeface="Homemade Apple"/>
+                <a:sym typeface="Homemade Apple"/>
+              </a:defRPr>
+            </a:lvl8pPr>
+            <a:lvl9pPr marR="0" lvl="8" algn="ctr" rtl="0">
+              <a:lnSpc>
+                <a:spcPct val="100000"/>
+              </a:lnSpc>
+              <a:spcBef>
+                <a:spcPts val="0"/>
+              </a:spcBef>
+              <a:spcAft>
+                <a:spcPts val="0"/>
+              </a:spcAft>
+              <a:buClr>
+                <a:schemeClr val="lt1"/>
+              </a:buClr>
+              <a:buSzPts val="1400"/>
+              <a:buFont typeface="Homemade Apple"/>
+              <a:buNone/>
+              <a:defRPr sz="1400" b="0" i="0" u="none" strike="noStrike" cap="none">
+                <a:solidFill>
+                  <a:schemeClr val="lt1"/>
+                </a:solidFill>
+                <a:latin typeface="Homemade Apple"/>
+                <a:ea typeface="Homemade Apple"/>
+                <a:cs typeface="Homemade Apple"/>
+                <a:sym typeface="Homemade Apple"/>
+              </a:defRPr>
+            </a:lvl9pPr>
+          </a:lstStyle>
+          <a:p>
+            <a:pPr algn="l"/>
+            <a:r>
+              <a:rPr lang="pt-BR" sz="3000" dirty="0"/>
+              <a:t>Obrigado!</a:t>
+            </a:r>
+          </a:p>
+        </p:txBody>
+      </p:sp>
+      <p:sp>
+        <p:nvSpPr>
+          <p:cNvPr id="7" name="Google Shape;268;p33">
+            <a:extLst>
+              <a:ext uri="{FF2B5EF4-FFF2-40B4-BE49-F238E27FC236}">
+                <a16:creationId xmlns:a16="http://schemas.microsoft.com/office/drawing/2014/main" id="{56689A70-8E1F-4FBC-9C75-442E78818794}"/>
+              </a:ext>
+            </a:extLst>
+          </p:cNvPr>
+          <p:cNvSpPr txBox="1">
+            <a:spLocks/>
+          </p:cNvSpPr>
+          <p:nvPr/>
+        </p:nvSpPr>
+        <p:spPr>
+          <a:xfrm>
+            <a:off x="1619672" y="1563638"/>
+            <a:ext cx="6593700" cy="784800"/>
+          </a:xfrm>
+          <a:prstGeom prst="rect">
+            <a:avLst/>
+          </a:prstGeom>
+          <a:noFill/>
+          <a:ln>
+            <a:noFill/>
+          </a:ln>
+        </p:spPr>
+        <p:txBody>
+          <a:bodyPr spcFirstLastPara="1" wrap="square" lIns="91425" tIns="91425" rIns="91425" bIns="91425" anchor="t" anchorCtr="0">
+            <a:noAutofit/>
+          </a:bodyPr>
+          <a:lstStyle>
+            <a:defPPr marR="0" lvl="0" algn="l" rtl="0">
+              <a:lnSpc>
+                <a:spcPct val="100000"/>
+              </a:lnSpc>
+              <a:spcBef>
+                <a:spcPts val="0"/>
+              </a:spcBef>
+              <a:spcAft>
+                <a:spcPts val="0"/>
+              </a:spcAft>
+            </a:defPPr>
+            <a:lvl1pPr marL="457200" marR="0" lvl="0" indent="-381000" algn="l" rtl="0">
+              <a:lnSpc>
+                <a:spcPct val="100000"/>
+              </a:lnSpc>
+              <a:spcBef>
+                <a:spcPts val="600"/>
+              </a:spcBef>
+              <a:spcAft>
+                <a:spcPts val="0"/>
+              </a:spcAft>
+              <a:buClr>
+                <a:schemeClr val="lt1"/>
+              </a:buClr>
+              <a:buSzPts val="2400"/>
+              <a:buFont typeface="Raleway"/>
+              <a:buChar char="✘"/>
+              <a:defRPr sz="2400" b="0" i="0" u="none" strike="noStrike" cap="none">
+                <a:solidFill>
+                  <a:schemeClr val="lt1"/>
+                </a:solidFill>
+                <a:latin typeface="Raleway"/>
+                <a:ea typeface="Raleway"/>
+                <a:cs typeface="Raleway"/>
+                <a:sym typeface="Raleway"/>
+              </a:defRPr>
+            </a:lvl1pPr>
+            <a:lvl2pPr marL="914400" marR="0" lvl="1" indent="-381000" algn="l" rtl="0">
+              <a:lnSpc>
+                <a:spcPct val="100000"/>
+              </a:lnSpc>
+              <a:spcBef>
+                <a:spcPts val="0"/>
+              </a:spcBef>
+              <a:spcAft>
+                <a:spcPts val="0"/>
+              </a:spcAft>
+              <a:buClr>
+                <a:schemeClr val="lt1"/>
+              </a:buClr>
+              <a:buSzPts val="2400"/>
+              <a:buFont typeface="Raleway"/>
+              <a:buChar char="○"/>
+              <a:defRPr sz="2400" b="0" i="0" u="none" strike="noStrike" cap="none">
+                <a:solidFill>
+                  <a:schemeClr val="lt1"/>
+                </a:solidFill>
+                <a:latin typeface="Raleway"/>
+                <a:ea typeface="Raleway"/>
+                <a:cs typeface="Raleway"/>
+                <a:sym typeface="Raleway"/>
+              </a:defRPr>
+            </a:lvl2pPr>
+            <a:lvl3pPr marL="1371600" marR="0" lvl="2" indent="-381000" algn="l" rtl="0">
+              <a:lnSpc>
+                <a:spcPct val="100000"/>
+              </a:lnSpc>
+              <a:spcBef>
+                <a:spcPts val="0"/>
+              </a:spcBef>
+              <a:spcAft>
+                <a:spcPts val="0"/>
+              </a:spcAft>
+              <a:buClr>
+                <a:schemeClr val="lt1"/>
+              </a:buClr>
+              <a:buSzPts val="2400"/>
+              <a:buFont typeface="Raleway"/>
+              <a:buChar char="■"/>
+              <a:defRPr sz="2400" b="0" i="0" u="none" strike="noStrike" cap="none">
+                <a:solidFill>
+                  <a:schemeClr val="lt1"/>
+                </a:solidFill>
+                <a:latin typeface="Raleway"/>
+                <a:ea typeface="Raleway"/>
+                <a:cs typeface="Raleway"/>
+                <a:sym typeface="Raleway"/>
+              </a:defRPr>
+            </a:lvl3pPr>
+            <a:lvl4pPr marL="1828800" marR="0" lvl="3" indent="-381000" algn="l" rtl="0">
+              <a:lnSpc>
+                <a:spcPct val="100000"/>
+              </a:lnSpc>
+              <a:spcBef>
+                <a:spcPts val="0"/>
+              </a:spcBef>
+              <a:spcAft>
+                <a:spcPts val="0"/>
+              </a:spcAft>
+              <a:buClr>
+                <a:schemeClr val="lt1"/>
+              </a:buClr>
+              <a:buSzPts val="2400"/>
+              <a:buFont typeface="Raleway"/>
+              <a:buChar char="●"/>
+              <a:defRPr sz="2400" b="0" i="0" u="none" strike="noStrike" cap="none">
+                <a:solidFill>
+                  <a:schemeClr val="lt1"/>
+                </a:solidFill>
+                <a:latin typeface="Raleway"/>
+                <a:ea typeface="Raleway"/>
+                <a:cs typeface="Raleway"/>
+                <a:sym typeface="Raleway"/>
+              </a:defRPr>
+            </a:lvl4pPr>
+            <a:lvl5pPr marL="2286000" marR="0" lvl="4" indent="-381000" algn="l" rtl="0">
+              <a:lnSpc>
+                <a:spcPct val="100000"/>
+              </a:lnSpc>
+              <a:spcBef>
+                <a:spcPts val="0"/>
+              </a:spcBef>
+              <a:spcAft>
+                <a:spcPts val="0"/>
+              </a:spcAft>
+              <a:buClr>
+                <a:schemeClr val="lt1"/>
+              </a:buClr>
+              <a:buSzPts val="2400"/>
+              <a:buFont typeface="Raleway"/>
+              <a:buChar char="○"/>
+              <a:defRPr sz="2400" b="0" i="0" u="none" strike="noStrike" cap="none">
+                <a:solidFill>
+                  <a:schemeClr val="lt1"/>
+                </a:solidFill>
+                <a:latin typeface="Raleway"/>
+                <a:ea typeface="Raleway"/>
+                <a:cs typeface="Raleway"/>
+                <a:sym typeface="Raleway"/>
+              </a:defRPr>
+            </a:lvl5pPr>
+            <a:lvl6pPr marL="2743200" marR="0" lvl="5" indent="-381000" algn="l" rtl="0">
+              <a:lnSpc>
+                <a:spcPct val="100000"/>
+              </a:lnSpc>
+              <a:spcBef>
+                <a:spcPts val="0"/>
+              </a:spcBef>
+              <a:spcAft>
+                <a:spcPts val="0"/>
+              </a:spcAft>
+              <a:buClr>
+                <a:schemeClr val="lt1"/>
+              </a:buClr>
+              <a:buSzPts val="2400"/>
+              <a:buFont typeface="Raleway"/>
+              <a:buChar char="■"/>
+              <a:defRPr sz="2400" b="0" i="0" u="none" strike="noStrike" cap="none">
+                <a:solidFill>
+                  <a:schemeClr val="lt1"/>
+                </a:solidFill>
+                <a:latin typeface="Raleway"/>
+                <a:ea typeface="Raleway"/>
+                <a:cs typeface="Raleway"/>
+                <a:sym typeface="Raleway"/>
+              </a:defRPr>
+            </a:lvl6pPr>
+            <a:lvl7pPr marL="3200400" marR="0" lvl="6" indent="-381000" algn="l" rtl="0">
+              <a:lnSpc>
+                <a:spcPct val="100000"/>
+              </a:lnSpc>
+              <a:spcBef>
+                <a:spcPts val="0"/>
+              </a:spcBef>
+              <a:spcAft>
+                <a:spcPts val="0"/>
+              </a:spcAft>
+              <a:buClr>
+                <a:schemeClr val="lt1"/>
+              </a:buClr>
+              <a:buSzPts val="2400"/>
+              <a:buFont typeface="Raleway"/>
+              <a:buChar char="●"/>
+              <a:defRPr sz="2400" b="0" i="0" u="none" strike="noStrike" cap="none">
+                <a:solidFill>
+                  <a:schemeClr val="lt1"/>
+                </a:solidFill>
+                <a:latin typeface="Raleway"/>
+                <a:ea typeface="Raleway"/>
+                <a:cs typeface="Raleway"/>
+                <a:sym typeface="Raleway"/>
+              </a:defRPr>
+            </a:lvl7pPr>
+            <a:lvl8pPr marL="3657600" marR="0" lvl="7" indent="-381000" algn="l" rtl="0">
+              <a:lnSpc>
+                <a:spcPct val="100000"/>
+              </a:lnSpc>
+              <a:spcBef>
+                <a:spcPts val="0"/>
+              </a:spcBef>
+              <a:spcAft>
+                <a:spcPts val="0"/>
+              </a:spcAft>
+              <a:buClr>
+                <a:schemeClr val="lt1"/>
+              </a:buClr>
+              <a:buSzPts val="2400"/>
+              <a:buFont typeface="Raleway"/>
+              <a:buChar char="○"/>
+              <a:defRPr sz="2400" b="0" i="0" u="none" strike="noStrike" cap="none">
+                <a:solidFill>
+                  <a:schemeClr val="lt1"/>
+                </a:solidFill>
+                <a:latin typeface="Raleway"/>
+                <a:ea typeface="Raleway"/>
+                <a:cs typeface="Raleway"/>
+                <a:sym typeface="Raleway"/>
+              </a:defRPr>
+            </a:lvl8pPr>
+            <a:lvl9pPr marL="4114800" marR="0" lvl="8" indent="-381000" algn="l" rtl="0">
+              <a:lnSpc>
+                <a:spcPct val="100000"/>
+              </a:lnSpc>
+              <a:spcBef>
+                <a:spcPts val="0"/>
+              </a:spcBef>
+              <a:spcAft>
+                <a:spcPts val="0"/>
+              </a:spcAft>
+              <a:buClr>
+                <a:schemeClr val="lt1"/>
+              </a:buClr>
+              <a:buSzPts val="2400"/>
+              <a:buFont typeface="Raleway"/>
+              <a:buChar char="■"/>
+              <a:defRPr sz="2400" b="0" i="0" u="none" strike="noStrike" cap="none">
+                <a:solidFill>
+                  <a:schemeClr val="lt1"/>
+                </a:solidFill>
+                <a:latin typeface="Raleway"/>
+                <a:ea typeface="Raleway"/>
+                <a:cs typeface="Raleway"/>
+                <a:sym typeface="Raleway"/>
+              </a:defRPr>
+            </a:lvl9pPr>
+          </a:lstStyle>
+          <a:p>
+            <a:pPr marL="0" indent="0">
+              <a:buFont typeface="Raleway"/>
+              <a:buNone/>
+            </a:pPr>
+            <a:r>
+              <a:rPr lang="pt-BR" sz="4800" b="1" dirty="0"/>
+              <a:t>Alguma dúvida?</a:t>
+            </a:r>
+          </a:p>
+        </p:txBody>
+      </p:sp>
+    </p:spTree>
+    <p:extLst>
+      <p:ext uri="{BB962C8B-B14F-4D97-AF65-F5344CB8AC3E}">
+        <p14:creationId xmlns:p14="http://schemas.microsoft.com/office/powerpoint/2010/main" val="2589305235"/>
+      </p:ext>
+    </p:extLst>
+  </p:cSld>
+  <p:clrMapOvr>
+    <a:masterClrMapping/>
+  </p:clrMapOvr>
+  <p:timing>
+    <p:tnLst>
+      <p:par>
+        <p:cTn id="1" dur="indefinite" restart="never" nodeType="tmRoot"/>
+      </p:par>
+    </p:tnLst>
+  </p:timing>
 </p:sld>
 </file>
 
